--- a/21 Schema Notes/NoSQL Database/Module 1/Introduction to NoSQL.pptx
+++ b/21 Schema Notes/NoSQL Database/Module 1/Introduction to NoSQL.pptx
@@ -228,7 +228,7 @@
               <a:rPr lang="en-US" smtClean="0">
                 <a:latin typeface="Futura Cyrillic Book" panose="020B0502020204020303" charset="0"/>
               </a:rPr>
-              <a:t>9/8/2024</a:t>
+              <a:t>20-Oct-24</a:t>
             </a:fld>
             <a:endParaRPr lang="en-US">
               <a:latin typeface="Futura Cyrillic Book" panose="020B0502020204020303" charset="0"/>
@@ -405,7 +405,7 @@
           <a:p>
             <a:fld id="{0ECD8AD1-49EC-45F2-A2FF-1FE3195688C5}" type="datetimeFigureOut">
               <a:rPr lang="en-IN" smtClean="0"/>
-              <a:t>08-09-2024</a:t>
+              <a:t>20-10-2024</a:t>
             </a:fld>
             <a:endParaRPr lang="en-IN"/>
           </a:p>
@@ -1162,7 +1162,7 @@
           <a:p>
             <a:fld id="{4EF95999-A99C-46D6-BFDA-AEFA180EA74F}" type="datetimeFigureOut">
               <a:rPr lang="en-US" smtClean="0"/>
-              <a:t>9/8/2024</a:t>
+              <a:t>20-Oct-24</a:t>
             </a:fld>
             <a:endParaRPr lang="en-US"/>
           </a:p>
@@ -1325,7 +1325,7 @@
           <a:p>
             <a:fld id="{4EF95999-A99C-46D6-BFDA-AEFA180EA74F}" type="datetimeFigureOut">
               <a:rPr lang="en-US" smtClean="0"/>
-              <a:t>9/8/2024</a:t>
+              <a:t>20-Oct-24</a:t>
             </a:fld>
             <a:endParaRPr lang="en-US"/>
           </a:p>
@@ -1498,7 +1498,7 @@
           <a:p>
             <a:fld id="{4EF95999-A99C-46D6-BFDA-AEFA180EA74F}" type="datetimeFigureOut">
               <a:rPr lang="en-US" smtClean="0"/>
-              <a:t>9/8/2024</a:t>
+              <a:t>20-Oct-24</a:t>
             </a:fld>
             <a:endParaRPr lang="en-US"/>
           </a:p>
@@ -1667,7 +1667,7 @@
           <a:p>
             <a:fld id="{EC281ACE-890E-4B55-88CA-A440D73ED3A3}" type="datetimeFigureOut">
               <a:rPr lang="en-US" smtClean="0"/>
-              <a:t>9/8/2024</a:t>
+              <a:t>20-Oct-24</a:t>
             </a:fld>
             <a:endParaRPr lang="en-US"/>
           </a:p>
@@ -1883,7 +1883,7 @@
           <a:p>
             <a:fld id="{36B80835-DEB3-4275-B379-2566D87801AD}" type="datetimeFigureOut">
               <a:rPr lang="en-US" smtClean="0"/>
-              <a:t>9/8/2024</a:t>
+              <a:t>20-Oct-24</a:t>
             </a:fld>
             <a:endParaRPr lang="en-US"/>
           </a:p>
@@ -2046,7 +2046,7 @@
           <a:p>
             <a:fld id="{36B80835-DEB3-4275-B379-2566D87801AD}" type="datetimeFigureOut">
               <a:rPr lang="en-US" smtClean="0"/>
-              <a:t>9/8/2024</a:t>
+              <a:t>20-Oct-24</a:t>
             </a:fld>
             <a:endParaRPr lang="en-US"/>
           </a:p>
@@ -2286,7 +2286,7 @@
           <a:p>
             <a:fld id="{36B80835-DEB3-4275-B379-2566D87801AD}" type="datetimeFigureOut">
               <a:rPr lang="en-US" smtClean="0"/>
-              <a:t>9/8/2024</a:t>
+              <a:t>20-Oct-24</a:t>
             </a:fld>
             <a:endParaRPr lang="en-US"/>
           </a:p>
@@ -2510,7 +2510,7 @@
           <a:p>
             <a:fld id="{36B80835-DEB3-4275-B379-2566D87801AD}" type="datetimeFigureOut">
               <a:rPr lang="en-US" smtClean="0"/>
-              <a:t>9/8/2024</a:t>
+              <a:t>20-Oct-24</a:t>
             </a:fld>
             <a:endParaRPr lang="en-US"/>
           </a:p>
@@ -2869,7 +2869,7 @@
           <a:p>
             <a:fld id="{36B80835-DEB3-4275-B379-2566D87801AD}" type="datetimeFigureOut">
               <a:rPr lang="en-US" smtClean="0"/>
-              <a:t>9/8/2024</a:t>
+              <a:t>20-Oct-24</a:t>
             </a:fld>
             <a:endParaRPr lang="en-US"/>
           </a:p>
@@ -2981,7 +2981,7 @@
           <a:p>
             <a:fld id="{36B80835-DEB3-4275-B379-2566D87801AD}" type="datetimeFigureOut">
               <a:rPr lang="en-US" smtClean="0"/>
-              <a:t>9/8/2024</a:t>
+              <a:t>20-Oct-24</a:t>
             </a:fld>
             <a:endParaRPr lang="en-US"/>
           </a:p>
@@ -3071,7 +3071,7 @@
           <a:p>
             <a:fld id="{36B80835-DEB3-4275-B379-2566D87801AD}" type="datetimeFigureOut">
               <a:rPr lang="en-US" smtClean="0"/>
-              <a:t>9/8/2024</a:t>
+              <a:t>20-Oct-24</a:t>
             </a:fld>
             <a:endParaRPr lang="en-US"/>
           </a:p>
@@ -3234,7 +3234,7 @@
           <a:p>
             <a:fld id="{4EF95999-A99C-46D6-BFDA-AEFA180EA74F}" type="datetimeFigureOut">
               <a:rPr lang="en-US" smtClean="0"/>
-              <a:t>9/8/2024</a:t>
+              <a:t>20-Oct-24</a:t>
             </a:fld>
             <a:endParaRPr lang="en-US"/>
           </a:p>
@@ -3504,7 +3504,7 @@
           <a:p>
             <a:fld id="{36B80835-DEB3-4275-B379-2566D87801AD}" type="datetimeFigureOut">
               <a:rPr lang="en-US" smtClean="0"/>
-              <a:t>9/8/2024</a:t>
+              <a:t>20-Oct-24</a:t>
             </a:fld>
             <a:endParaRPr lang="en-US"/>
           </a:p>
@@ -3751,7 +3751,7 @@
           <a:p>
             <a:fld id="{36B80835-DEB3-4275-B379-2566D87801AD}" type="datetimeFigureOut">
               <a:rPr lang="en-US" smtClean="0"/>
-              <a:t>9/8/2024</a:t>
+              <a:t>20-Oct-24</a:t>
             </a:fld>
             <a:endParaRPr lang="en-US"/>
           </a:p>
@@ -3914,7 +3914,7 @@
           <a:p>
             <a:fld id="{36B80835-DEB3-4275-B379-2566D87801AD}" type="datetimeFigureOut">
               <a:rPr lang="en-US" smtClean="0"/>
-              <a:t>9/8/2024</a:t>
+              <a:t>20-Oct-24</a:t>
             </a:fld>
             <a:endParaRPr lang="en-US"/>
           </a:p>
@@ -4087,7 +4087,7 @@
           <a:p>
             <a:fld id="{36B80835-DEB3-4275-B379-2566D87801AD}" type="datetimeFigureOut">
               <a:rPr lang="en-US" smtClean="0"/>
-              <a:t>9/8/2024</a:t>
+              <a:t>20-Oct-24</a:t>
             </a:fld>
             <a:endParaRPr lang="en-US"/>
           </a:p>
@@ -4272,7 +4272,7 @@
           <a:p>
             <a:fld id="{4EF95999-A99C-46D6-BFDA-AEFA180EA74F}" type="datetimeFigureOut">
               <a:rPr lang="en-US" smtClean="0"/>
-              <a:t>9/8/2024</a:t>
+              <a:t>20-Oct-24</a:t>
             </a:fld>
             <a:endParaRPr lang="en-US"/>
           </a:p>
@@ -4435,7 +4435,7 @@
           <a:p>
             <a:fld id="{4EF95999-A99C-46D6-BFDA-AEFA180EA74F}" type="datetimeFigureOut">
               <a:rPr lang="en-US" smtClean="0"/>
-              <a:t>9/8/2024</a:t>
+              <a:t>20-Oct-24</a:t>
             </a:fld>
             <a:endParaRPr lang="en-US"/>
           </a:p>
@@ -4675,7 +4675,7 @@
           <a:p>
             <a:fld id="{4EF95999-A99C-46D6-BFDA-AEFA180EA74F}" type="datetimeFigureOut">
               <a:rPr lang="en-US" smtClean="0"/>
-              <a:t>9/8/2024</a:t>
+              <a:t>20-Oct-24</a:t>
             </a:fld>
             <a:endParaRPr lang="en-US"/>
           </a:p>
@@ -4899,7 +4899,7 @@
           <a:p>
             <a:fld id="{4EF95999-A99C-46D6-BFDA-AEFA180EA74F}" type="datetimeFigureOut">
               <a:rPr lang="en-US" smtClean="0"/>
-              <a:t>9/8/2024</a:t>
+              <a:t>20-Oct-24</a:t>
             </a:fld>
             <a:endParaRPr lang="en-US"/>
           </a:p>
@@ -5258,7 +5258,7 @@
           <a:p>
             <a:fld id="{4EF95999-A99C-46D6-BFDA-AEFA180EA74F}" type="datetimeFigureOut">
               <a:rPr lang="en-US" smtClean="0"/>
-              <a:t>9/8/2024</a:t>
+              <a:t>20-Oct-24</a:t>
             </a:fld>
             <a:endParaRPr lang="en-US"/>
           </a:p>
@@ -5370,7 +5370,7 @@
           <a:p>
             <a:fld id="{4EF95999-A99C-46D6-BFDA-AEFA180EA74F}" type="datetimeFigureOut">
               <a:rPr lang="en-US" smtClean="0"/>
-              <a:t>9/8/2024</a:t>
+              <a:t>20-Oct-24</a:t>
             </a:fld>
             <a:endParaRPr lang="en-US"/>
           </a:p>
@@ -5610,7 +5610,7 @@
           <a:p>
             <a:fld id="{4EF95999-A99C-46D6-BFDA-AEFA180EA74F}" type="datetimeFigureOut">
               <a:rPr lang="en-US" smtClean="0"/>
-              <a:t>9/8/2024</a:t>
+              <a:t>20-Oct-24</a:t>
             </a:fld>
             <a:endParaRPr lang="en-US"/>
           </a:p>
@@ -5700,7 +5700,7 @@
           <a:p>
             <a:fld id="{4EF95999-A99C-46D6-BFDA-AEFA180EA74F}" type="datetimeFigureOut">
               <a:rPr lang="en-US" smtClean="0"/>
-              <a:t>9/8/2024</a:t>
+              <a:t>20-Oct-24</a:t>
             </a:fld>
             <a:endParaRPr lang="en-US"/>
           </a:p>
@@ -5970,7 +5970,7 @@
           <a:p>
             <a:fld id="{4EF95999-A99C-46D6-BFDA-AEFA180EA74F}" type="datetimeFigureOut">
               <a:rPr lang="en-US" smtClean="0"/>
-              <a:t>9/8/2024</a:t>
+              <a:t>20-Oct-24</a:t>
             </a:fld>
             <a:endParaRPr lang="en-US"/>
           </a:p>
@@ -6217,7 +6217,7 @@
           <a:p>
             <a:fld id="{4EF95999-A99C-46D6-BFDA-AEFA180EA74F}" type="datetimeFigureOut">
               <a:rPr lang="en-US" smtClean="0"/>
-              <a:t>9/8/2024</a:t>
+              <a:t>20-Oct-24</a:t>
             </a:fld>
             <a:endParaRPr lang="en-US"/>
           </a:p>
@@ -6380,7 +6380,7 @@
           <a:p>
             <a:fld id="{4EF95999-A99C-46D6-BFDA-AEFA180EA74F}" type="datetimeFigureOut">
               <a:rPr lang="en-US" smtClean="0"/>
-              <a:t>9/8/2024</a:t>
+              <a:t>20-Oct-24</a:t>
             </a:fld>
             <a:endParaRPr lang="en-US"/>
           </a:p>
@@ -6553,7 +6553,7 @@
           <a:p>
             <a:fld id="{4EF95999-A99C-46D6-BFDA-AEFA180EA74F}" type="datetimeFigureOut">
               <a:rPr lang="en-US" smtClean="0"/>
-              <a:t>9/8/2024</a:t>
+              <a:t>20-Oct-24</a:t>
             </a:fld>
             <a:endParaRPr lang="en-US"/>
           </a:p>
@@ -6722,7 +6722,7 @@
           <a:p>
             <a:fld id="{EC281ACE-890E-4B55-88CA-A440D73ED3A3}" type="datetimeFigureOut">
               <a:rPr lang="en-US" smtClean="0"/>
-              <a:t>9/8/2024</a:t>
+              <a:t>20-Oct-24</a:t>
             </a:fld>
             <a:endParaRPr lang="en-US"/>
           </a:p>
@@ -6940,7 +6940,7 @@
           <a:p>
             <a:fld id="{4EF95999-A99C-46D6-BFDA-AEFA180EA74F}" type="datetimeFigureOut">
               <a:rPr lang="en-US" smtClean="0"/>
-              <a:t>9/8/2024</a:t>
+              <a:t>20-Oct-24</a:t>
             </a:fld>
             <a:endParaRPr lang="en-US"/>
           </a:p>
@@ -7110,7 +7110,7 @@
           <a:p>
             <a:fld id="{4EF95999-A99C-46D6-BFDA-AEFA180EA74F}" type="datetimeFigureOut">
               <a:rPr lang="en-US" smtClean="0"/>
-              <a:t>9/8/2024</a:t>
+              <a:t>20-Oct-24</a:t>
             </a:fld>
             <a:endParaRPr lang="en-US"/>
           </a:p>
@@ -7356,7 +7356,7 @@
           <a:p>
             <a:fld id="{4EF95999-A99C-46D6-BFDA-AEFA180EA74F}" type="datetimeFigureOut">
               <a:rPr lang="en-US" smtClean="0"/>
-              <a:t>9/8/2024</a:t>
+              <a:t>20-Oct-24</a:t>
             </a:fld>
             <a:endParaRPr lang="en-US"/>
           </a:p>
@@ -7588,7 +7588,7 @@
           <a:p>
             <a:fld id="{4EF95999-A99C-46D6-BFDA-AEFA180EA74F}" type="datetimeFigureOut">
               <a:rPr lang="en-US" smtClean="0"/>
-              <a:t>9/8/2024</a:t>
+              <a:t>20-Oct-24</a:t>
             </a:fld>
             <a:endParaRPr lang="en-US"/>
           </a:p>
@@ -7817,7 +7817,7 @@
           <a:p>
             <a:fld id="{4EF95999-A99C-46D6-BFDA-AEFA180EA74F}" type="datetimeFigureOut">
               <a:rPr lang="en-US" smtClean="0"/>
-              <a:t>9/8/2024</a:t>
+              <a:t>20-Oct-24</a:t>
             </a:fld>
             <a:endParaRPr lang="en-US"/>
           </a:p>
@@ -8179,7 +8179,7 @@
           <a:p>
             <a:fld id="{4EF95999-A99C-46D6-BFDA-AEFA180EA74F}" type="datetimeFigureOut">
               <a:rPr lang="en-US" smtClean="0"/>
-              <a:t>9/8/2024</a:t>
+              <a:t>20-Oct-24</a:t>
             </a:fld>
             <a:endParaRPr lang="en-US"/>
           </a:p>
@@ -8297,7 +8297,7 @@
           <a:p>
             <a:fld id="{4EF95999-A99C-46D6-BFDA-AEFA180EA74F}" type="datetimeFigureOut">
               <a:rPr lang="en-US" smtClean="0"/>
-              <a:t>9/8/2024</a:t>
+              <a:t>20-Oct-24</a:t>
             </a:fld>
             <a:endParaRPr lang="en-US"/>
           </a:p>
@@ -8392,7 +8392,7 @@
           <a:p>
             <a:fld id="{4EF95999-A99C-46D6-BFDA-AEFA180EA74F}" type="datetimeFigureOut">
               <a:rPr lang="en-US" smtClean="0"/>
-              <a:t>9/8/2024</a:t>
+              <a:t>20-Oct-24</a:t>
             </a:fld>
             <a:endParaRPr lang="en-US"/>
           </a:p>
@@ -8669,7 +8669,7 @@
           <a:p>
             <a:fld id="{4EF95999-A99C-46D6-BFDA-AEFA180EA74F}" type="datetimeFigureOut">
               <a:rPr lang="en-US" smtClean="0"/>
-              <a:t>9/8/2024</a:t>
+              <a:t>20-Oct-24</a:t>
             </a:fld>
             <a:endParaRPr lang="en-US"/>
           </a:p>
@@ -8926,7 +8926,7 @@
           <a:p>
             <a:fld id="{4EF95999-A99C-46D6-BFDA-AEFA180EA74F}" type="datetimeFigureOut">
               <a:rPr lang="en-US" smtClean="0"/>
-              <a:t>9/8/2024</a:t>
+              <a:t>20-Oct-24</a:t>
             </a:fld>
             <a:endParaRPr lang="en-US"/>
           </a:p>
@@ -9096,7 +9096,7 @@
           <a:p>
             <a:fld id="{4EF95999-A99C-46D6-BFDA-AEFA180EA74F}" type="datetimeFigureOut">
               <a:rPr lang="en-US" smtClean="0"/>
-              <a:t>9/8/2024</a:t>
+              <a:t>20-Oct-24</a:t>
             </a:fld>
             <a:endParaRPr lang="en-US"/>
           </a:p>
@@ -9276,7 +9276,7 @@
           <a:p>
             <a:fld id="{4EF95999-A99C-46D6-BFDA-AEFA180EA74F}" type="datetimeFigureOut">
               <a:rPr lang="en-US" smtClean="0"/>
-              <a:t>9/8/2024</a:t>
+              <a:t>20-Oct-24</a:t>
             </a:fld>
             <a:endParaRPr lang="en-US"/>
           </a:p>
@@ -9640,7 +9640,7 @@
           <a:p>
             <a:fld id="{4EF95999-A99C-46D6-BFDA-AEFA180EA74F}" type="datetimeFigureOut">
               <a:rPr lang="en-US" smtClean="0"/>
-              <a:t>9/8/2024</a:t>
+              <a:t>20-Oct-24</a:t>
             </a:fld>
             <a:endParaRPr lang="en-US"/>
           </a:p>
@@ -9752,7 +9752,7 @@
           <a:p>
             <a:fld id="{4EF95999-A99C-46D6-BFDA-AEFA180EA74F}" type="datetimeFigureOut">
               <a:rPr lang="en-US" smtClean="0"/>
-              <a:t>9/8/2024</a:t>
+              <a:t>20-Oct-24</a:t>
             </a:fld>
             <a:endParaRPr lang="en-US"/>
           </a:p>
@@ -9842,7 +9842,7 @@
           <a:p>
             <a:fld id="{4EF95999-A99C-46D6-BFDA-AEFA180EA74F}" type="datetimeFigureOut">
               <a:rPr lang="en-US" smtClean="0"/>
-              <a:t>9/8/2024</a:t>
+              <a:t>20-Oct-24</a:t>
             </a:fld>
             <a:endParaRPr lang="en-US"/>
           </a:p>
@@ -10112,7 +10112,7 @@
           <a:p>
             <a:fld id="{4EF95999-A99C-46D6-BFDA-AEFA180EA74F}" type="datetimeFigureOut">
               <a:rPr lang="en-US" smtClean="0"/>
-              <a:t>9/8/2024</a:t>
+              <a:t>20-Oct-24</a:t>
             </a:fld>
             <a:endParaRPr lang="en-US"/>
           </a:p>
@@ -10359,7 +10359,7 @@
           <a:p>
             <a:fld id="{4EF95999-A99C-46D6-BFDA-AEFA180EA74F}" type="datetimeFigureOut">
               <a:rPr lang="en-US" smtClean="0"/>
-              <a:t>9/8/2024</a:t>
+              <a:t>20-Oct-24</a:t>
             </a:fld>
             <a:endParaRPr lang="en-US"/>
           </a:p>
@@ -10566,7 +10566,7 @@
           <a:p>
             <a:fld id="{4EF95999-A99C-46D6-BFDA-AEFA180EA74F}" type="datetimeFigureOut">
               <a:rPr lang="en-US" smtClean="0"/>
-              <a:t>9/8/2024</a:t>
+              <a:t>20-Oct-24</a:t>
             </a:fld>
             <a:endParaRPr lang="en-US"/>
           </a:p>
@@ -11103,7 +11103,7 @@
           <a:p>
             <a:fld id="{36B80835-DEB3-4275-B379-2566D87801AD}" type="datetimeFigureOut">
               <a:rPr lang="en-US" smtClean="0"/>
-              <a:t>9/8/2024</a:t>
+              <a:t>20-Oct-24</a:t>
             </a:fld>
             <a:endParaRPr lang="en-US"/>
           </a:p>
@@ -11639,7 +11639,7 @@
           <a:p>
             <a:fld id="{4EF95999-A99C-46D6-BFDA-AEFA180EA74F}" type="datetimeFigureOut">
               <a:rPr lang="en-US" smtClean="0"/>
-              <a:t>9/8/2024</a:t>
+              <a:t>20-Oct-24</a:t>
             </a:fld>
             <a:endParaRPr lang="en-US"/>
           </a:p>
@@ -12177,7 +12177,7 @@
           <a:p>
             <a:fld id="{4EF95999-A99C-46D6-BFDA-AEFA180EA74F}" type="datetimeFigureOut">
               <a:rPr lang="en-US" smtClean="0"/>
-              <a:t>9/8/2024</a:t>
+              <a:t>20-Oct-24</a:t>
             </a:fld>
             <a:endParaRPr lang="en-US"/>
           </a:p>
@@ -12855,21 +12855,8 @@
                   <a:schemeClr val="bg1"/>
                 </a:solidFill>
               </a:rPr>
-              <a:t> of </a:t>
-            </a:r>
-            <a:r>
-              <a:rPr lang="en-US" dirty="0" smtClean="0">
-                <a:solidFill>
-                  <a:schemeClr val="bg1"/>
-                </a:solidFill>
-              </a:rPr>
-              <a:t>ISE</a:t>
-            </a:r>
-            <a:endParaRPr lang="en-US" dirty="0">
-              <a:solidFill>
-                <a:schemeClr val="bg1"/>
-              </a:solidFill>
-            </a:endParaRPr>
+              <a:t> of ISE</a:t>
+            </a:r>
           </a:p>
         </p:txBody>
       </p:sp>
@@ -12897,18 +12884,13 @@
           <a:p>
             <a:pPr algn="ctr"/>
             <a:r>
-              <a:rPr lang="en-IN" sz="4400" b="1" dirty="0" smtClean="0">
+              <a:rPr lang="en-IN" sz="4400" b="1" dirty="0">
                 <a:solidFill>
                   <a:srgbClr val="002060"/>
                 </a:solidFill>
               </a:rPr>
               <a:t>NOSQL DATABASE</a:t>
             </a:r>
-            <a:endParaRPr lang="en-IN" sz="4400" b="1" dirty="0">
-              <a:solidFill>
-                <a:srgbClr val="002060"/>
-              </a:solidFill>
-            </a:endParaRPr>
           </a:p>
         </p:txBody>
       </p:sp>
@@ -12935,18 +12917,13 @@
           <a:lstStyle/>
           <a:p>
             <a:r>
-              <a:rPr lang="en-IN" sz="2800" dirty="0" smtClean="0">
+              <a:rPr lang="en-IN" sz="2800" dirty="0">
                 <a:solidFill>
                   <a:schemeClr val="accent2"/>
                 </a:solidFill>
               </a:rPr>
               <a:t>Subject code :  21CS745</a:t>
             </a:r>
-            <a:endParaRPr lang="en-IN" sz="2800" dirty="0">
-              <a:solidFill>
-                <a:schemeClr val="accent2"/>
-              </a:solidFill>
-            </a:endParaRPr>
           </a:p>
         </p:txBody>
       </p:sp>
@@ -12987,18 +12964,6 @@
               <a:defRPr/>
             </a:pPr>
             <a:r>
-              <a:rPr lang="en-US" altLang="en-US" sz="2000" b="1" kern="0" dirty="0" smtClean="0">
-                <a:solidFill>
-                  <a:srgbClr val="002060"/>
-                </a:solidFill>
-                <a:latin typeface="Times New Roman" panose="02020603050405020304" pitchFamily="18" charset="0"/>
-                <a:ea typeface="Arial" panose="020B0604020202020204"/>
-                <a:cs typeface="Times New Roman" panose="02020603050405020304" pitchFamily="18" charset="0"/>
-                <a:sym typeface="Calibri" panose="020F0502020204030204" pitchFamily="34" charset="0"/>
-              </a:rPr>
-              <a:t>Prof. </a:t>
-            </a:r>
-            <a:r>
               <a:rPr lang="en-US" altLang="en-US" sz="2000" b="1" kern="0" dirty="0">
                 <a:solidFill>
                   <a:srgbClr val="002060"/>
@@ -13008,19 +12973,7 @@
                 <a:cs typeface="Times New Roman" panose="02020603050405020304" pitchFamily="18" charset="0"/>
                 <a:sym typeface="Calibri" panose="020F0502020204030204" pitchFamily="34" charset="0"/>
               </a:rPr>
-              <a:t>Supriya </a:t>
-            </a:r>
-            <a:r>
-              <a:rPr lang="en-US" altLang="en-US" sz="2000" b="1" kern="0" dirty="0" smtClean="0">
-                <a:solidFill>
-                  <a:srgbClr val="002060"/>
-                </a:solidFill>
-                <a:latin typeface="Times New Roman" panose="02020603050405020304" pitchFamily="18" charset="0"/>
-                <a:ea typeface="Arial" panose="020B0604020202020204"/>
-                <a:cs typeface="Times New Roman" panose="02020603050405020304" pitchFamily="18" charset="0"/>
-                <a:sym typeface="Calibri" panose="020F0502020204030204" pitchFamily="34" charset="0"/>
-              </a:rPr>
-              <a:t>C</a:t>
+              <a:t>Prof. Supriya C</a:t>
             </a:r>
           </a:p>
           <a:p>
@@ -13040,18 +12993,6 @@
               <a:defRPr/>
             </a:pPr>
             <a:r>
-              <a:rPr lang="en-US" altLang="en-US" sz="2000" b="1" kern="0" dirty="0" smtClean="0">
-                <a:solidFill>
-                  <a:srgbClr val="002060"/>
-                </a:solidFill>
-                <a:latin typeface="Times New Roman" panose="02020603050405020304" pitchFamily="18" charset="0"/>
-                <a:ea typeface="Arial" panose="020B0604020202020204"/>
-                <a:cs typeface="Times New Roman" panose="02020603050405020304" pitchFamily="18" charset="0"/>
-                <a:sym typeface="Calibri" panose="020F0502020204030204" pitchFamily="34" charset="0"/>
-              </a:rPr>
-              <a:t>Assistant </a:t>
-            </a:r>
-            <a:r>
               <a:rPr lang="en-US" altLang="en-US" sz="2000" b="1" kern="0" dirty="0">
                 <a:solidFill>
                   <a:srgbClr val="002060"/>
@@ -13061,7 +13002,7 @@
                 <a:cs typeface="Times New Roman" panose="02020603050405020304" pitchFamily="18" charset="0"/>
                 <a:sym typeface="Calibri" panose="020F0502020204030204" pitchFamily="34" charset="0"/>
               </a:rPr>
-              <a:t>Professor</a:t>
+              <a:t>Assistant Professor</a:t>
             </a:r>
           </a:p>
           <a:p>
@@ -13081,18 +13022,6 @@
               <a:defRPr/>
             </a:pPr>
             <a:r>
-              <a:rPr lang="en-US" altLang="en-US" sz="2000" b="1" kern="0" dirty="0" smtClean="0">
-                <a:solidFill>
-                  <a:srgbClr val="002060"/>
-                </a:solidFill>
-                <a:latin typeface="Times New Roman" panose="02020603050405020304" pitchFamily="18" charset="0"/>
-                <a:ea typeface="Arial" panose="020B0604020202020204"/>
-                <a:cs typeface="Times New Roman" panose="02020603050405020304" pitchFamily="18" charset="0"/>
-                <a:sym typeface="Calibri" panose="020F0502020204030204" pitchFamily="34" charset="0"/>
-              </a:rPr>
-              <a:t>Department </a:t>
-            </a:r>
-            <a:r>
               <a:rPr lang="en-US" altLang="en-US" sz="2000" b="1" kern="0" dirty="0">
                 <a:solidFill>
                   <a:srgbClr val="002060"/>
@@ -13102,19 +13031,7 @@
                 <a:cs typeface="Times New Roman" panose="02020603050405020304" pitchFamily="18" charset="0"/>
                 <a:sym typeface="Calibri" panose="020F0502020204030204" pitchFamily="34" charset="0"/>
               </a:rPr>
-              <a:t>of </a:t>
-            </a:r>
-            <a:r>
-              <a:rPr lang="en-US" altLang="en-US" sz="2000" b="1" kern="0" dirty="0" smtClean="0">
-                <a:solidFill>
-                  <a:srgbClr val="002060"/>
-                </a:solidFill>
-                <a:latin typeface="Times New Roman" panose="02020603050405020304" pitchFamily="18" charset="0"/>
-                <a:ea typeface="Arial" panose="020B0604020202020204"/>
-                <a:cs typeface="Times New Roman" panose="02020603050405020304" pitchFamily="18" charset="0"/>
-                <a:sym typeface="Calibri" panose="020F0502020204030204" pitchFamily="34" charset="0"/>
-              </a:rPr>
-              <a:t>ISE</a:t>
+              <a:t>Department of ISE</a:t>
             </a:r>
           </a:p>
           <a:p>
@@ -13134,18 +13051,6 @@
               <a:defRPr/>
             </a:pPr>
             <a:r>
-              <a:rPr lang="en-US" altLang="en-US" sz="2000" b="1" kern="0" dirty="0" smtClean="0">
-                <a:solidFill>
-                  <a:srgbClr val="002060"/>
-                </a:solidFill>
-                <a:latin typeface="Times New Roman" panose="02020603050405020304" pitchFamily="18" charset="0"/>
-                <a:ea typeface="Arial" panose="020B0604020202020204"/>
-                <a:cs typeface="Times New Roman" panose="02020603050405020304" pitchFamily="18" charset="0"/>
-                <a:sym typeface="Calibri" panose="020F0502020204030204" pitchFamily="34" charset="0"/>
-              </a:rPr>
-              <a:t>Acharya </a:t>
-            </a:r>
-            <a:r>
               <a:rPr lang="en-US" altLang="en-US" sz="2000" b="1" kern="0" dirty="0">
                 <a:solidFill>
                   <a:srgbClr val="002060"/>
@@ -13155,7 +13060,7 @@
                 <a:cs typeface="Times New Roman" panose="02020603050405020304" pitchFamily="18" charset="0"/>
                 <a:sym typeface="Calibri" panose="020F0502020204030204" pitchFamily="34" charset="0"/>
               </a:rPr>
-              <a:t>Institute Of Technology </a:t>
+              <a:t>Acharya Institute Of Technology </a:t>
             </a:r>
           </a:p>
         </p:txBody>
@@ -13165,13 +13070,6 @@
   <p:clrMapOvr>
     <a:masterClrMapping/>
   </p:clrMapOvr>
-  <p:timing>
-    <p:tnLst>
-      <p:par>
-        <p:cTn id="1" dur="indefinite" restart="never" nodeType="tmRoot"/>
-      </p:par>
-    </p:tnLst>
-  </p:timing>
 </p:sld>
 </file>
 
@@ -13436,21 +13334,8 @@
                   <a:schemeClr val="bg1"/>
                 </a:solidFill>
               </a:rPr>
-              <a:t> of </a:t>
-            </a:r>
-            <a:r>
-              <a:rPr lang="en-US" dirty="0" smtClean="0">
-                <a:solidFill>
-                  <a:schemeClr val="bg1"/>
-                </a:solidFill>
-              </a:rPr>
-              <a:t>ISE</a:t>
-            </a:r>
-            <a:endParaRPr lang="en-US" dirty="0">
-              <a:solidFill>
-                <a:schemeClr val="bg1"/>
-              </a:solidFill>
-            </a:endParaRPr>
+              <a:t> of ISE</a:t>
+            </a:r>
           </a:p>
         </p:txBody>
       </p:sp>
@@ -13477,7 +13362,7 @@
           <a:lstStyle/>
           <a:p>
             <a:r>
-              <a:rPr lang="en-IN" sz="3200" b="1" dirty="0" smtClean="0">
+              <a:rPr lang="en-IN" sz="3200" b="1" dirty="0">
                 <a:effectLst>
                   <a:outerShdw blurRad="38100" dist="38100" dir="2700000" algn="tl">
                     <a:srgbClr val="000000">
@@ -13490,17 +13375,6 @@
               </a:rPr>
               <a:t>RDBMS</a:t>
             </a:r>
-            <a:endParaRPr lang="en-IN" sz="3200" b="1" dirty="0">
-              <a:effectLst>
-                <a:outerShdw blurRad="38100" dist="38100" dir="2700000" algn="tl">
-                  <a:srgbClr val="000000">
-                    <a:alpha val="43137"/>
-                  </a:srgbClr>
-                </a:outerShdw>
-              </a:effectLst>
-              <a:latin typeface="Times New Roman" panose="02020603050405020304" pitchFamily="18" charset="0"/>
-              <a:cs typeface="Times New Roman" panose="02020603050405020304" pitchFamily="18" charset="0"/>
-            </a:endParaRPr>
           </a:p>
         </p:txBody>
       </p:sp>
@@ -13534,7 +13408,7 @@
               <a:buAutoNum type="arabicPeriod"/>
             </a:pPr>
             <a:r>
-              <a:rPr lang="en-IN" sz="2000" dirty="0" smtClean="0">
+              <a:rPr lang="en-IN" sz="2000" dirty="0">
                 <a:latin typeface="Times New Roman" panose="02020603050405020304" pitchFamily="18" charset="0"/>
                 <a:cs typeface="Times New Roman" panose="02020603050405020304" pitchFamily="18" charset="0"/>
               </a:rPr>
@@ -13550,7 +13424,7 @@
               <a:buAutoNum type="arabicPeriod"/>
             </a:pPr>
             <a:r>
-              <a:rPr lang="en-IN" sz="2000" dirty="0" smtClean="0">
+              <a:rPr lang="en-IN" sz="2000" dirty="0">
                 <a:latin typeface="Times New Roman" panose="02020603050405020304" pitchFamily="18" charset="0"/>
                 <a:cs typeface="Times New Roman" panose="02020603050405020304" pitchFamily="18" charset="0"/>
               </a:rPr>
@@ -13566,7 +13440,7 @@
               <a:buAutoNum type="arabicPeriod"/>
             </a:pPr>
             <a:r>
-              <a:rPr lang="en-IN" sz="2000" dirty="0" smtClean="0">
+              <a:rPr lang="en-IN" sz="2000" dirty="0">
                 <a:latin typeface="Times New Roman" panose="02020603050405020304" pitchFamily="18" charset="0"/>
                 <a:cs typeface="Times New Roman" panose="02020603050405020304" pitchFamily="18" charset="0"/>
               </a:rPr>
@@ -13582,7 +13456,7 @@
               <a:buAutoNum type="arabicPeriod"/>
             </a:pPr>
             <a:r>
-              <a:rPr lang="en-IN" sz="2000" dirty="0" smtClean="0">
+              <a:rPr lang="en-IN" sz="2000" dirty="0">
                 <a:latin typeface="Times New Roman" panose="02020603050405020304" pitchFamily="18" charset="0"/>
                 <a:cs typeface="Times New Roman" panose="02020603050405020304" pitchFamily="18" charset="0"/>
               </a:rPr>
@@ -13598,7 +13472,7 @@
               <a:buAutoNum type="arabicPeriod"/>
             </a:pPr>
             <a:r>
-              <a:rPr lang="en-IN" sz="2000" dirty="0" smtClean="0">
+              <a:rPr lang="en-IN" sz="2000" dirty="0">
                 <a:latin typeface="Times New Roman" panose="02020603050405020304" pitchFamily="18" charset="0"/>
                 <a:cs typeface="Times New Roman" panose="02020603050405020304" pitchFamily="18" charset="0"/>
               </a:rPr>
@@ -13614,7 +13488,7 @@
               <a:buAutoNum type="arabicPeriod"/>
             </a:pPr>
             <a:r>
-              <a:rPr lang="en-IN" sz="2000" dirty="0" smtClean="0">
+              <a:rPr lang="en-IN" sz="2000" dirty="0">
                 <a:latin typeface="Times New Roman" panose="02020603050405020304" pitchFamily="18" charset="0"/>
                 <a:cs typeface="Times New Roman" panose="02020603050405020304" pitchFamily="18" charset="0"/>
               </a:rPr>
@@ -13630,7 +13504,7 @@
               <a:buAutoNum type="arabicPeriod"/>
             </a:pPr>
             <a:r>
-              <a:rPr lang="en-IN" sz="2000" dirty="0" smtClean="0">
+              <a:rPr lang="en-IN" sz="2000" dirty="0">
                 <a:latin typeface="Times New Roman" panose="02020603050405020304" pitchFamily="18" charset="0"/>
                 <a:cs typeface="Times New Roman" panose="02020603050405020304" pitchFamily="18" charset="0"/>
               </a:rPr>
@@ -13669,7 +13543,7 @@
           <a:lstStyle/>
           <a:p>
             <a:r>
-              <a:rPr lang="en-IN" sz="3200" b="1" dirty="0" smtClean="0">
+              <a:rPr lang="en-IN" sz="3200" b="1" dirty="0">
                 <a:effectLst>
                   <a:outerShdw blurRad="38100" dist="38100" dir="2700000" algn="tl">
                     <a:srgbClr val="000000">
@@ -13682,17 +13556,6 @@
               </a:rPr>
               <a:t>NOSQL</a:t>
             </a:r>
-            <a:endParaRPr lang="en-IN" sz="3200" b="1" dirty="0">
-              <a:effectLst>
-                <a:outerShdw blurRad="38100" dist="38100" dir="2700000" algn="tl">
-                  <a:srgbClr val="000000">
-                    <a:alpha val="43137"/>
-                  </a:srgbClr>
-                </a:outerShdw>
-              </a:effectLst>
-              <a:latin typeface="Times New Roman" panose="02020603050405020304" pitchFamily="18" charset="0"/>
-              <a:cs typeface="Times New Roman" panose="02020603050405020304" pitchFamily="18" charset="0"/>
-            </a:endParaRPr>
           </a:p>
         </p:txBody>
       </p:sp>
@@ -13726,7 +13589,7 @@
               <a:buAutoNum type="arabicPeriod"/>
             </a:pPr>
             <a:r>
-              <a:rPr lang="en-IN" sz="2000" dirty="0" smtClean="0">
+              <a:rPr lang="en-IN" sz="2000" dirty="0">
                 <a:latin typeface="Times New Roman" panose="02020603050405020304" pitchFamily="18" charset="0"/>
                 <a:cs typeface="Times New Roman" panose="02020603050405020304" pitchFamily="18" charset="0"/>
               </a:rPr>
@@ -13742,7 +13605,7 @@
               <a:buAutoNum type="arabicPeriod"/>
             </a:pPr>
             <a:r>
-              <a:rPr lang="en-IN" sz="2000" dirty="0" smtClean="0">
+              <a:rPr lang="en-IN" sz="2000" dirty="0">
                 <a:latin typeface="Times New Roman" panose="02020603050405020304" pitchFamily="18" charset="0"/>
                 <a:cs typeface="Times New Roman" panose="02020603050405020304" pitchFamily="18" charset="0"/>
               </a:rPr>
@@ -13758,7 +13621,7 @@
               <a:buAutoNum type="arabicPeriod"/>
             </a:pPr>
             <a:r>
-              <a:rPr lang="en-IN" sz="2000" dirty="0" smtClean="0">
+              <a:rPr lang="en-IN" sz="2000" dirty="0">
                 <a:latin typeface="Times New Roman" panose="02020603050405020304" pitchFamily="18" charset="0"/>
                 <a:cs typeface="Times New Roman" panose="02020603050405020304" pitchFamily="18" charset="0"/>
               </a:rPr>
@@ -13774,7 +13637,7 @@
               <a:buAutoNum type="arabicPeriod"/>
             </a:pPr>
             <a:r>
-              <a:rPr lang="en-IN" sz="2000" dirty="0" smtClean="0">
+              <a:rPr lang="en-IN" sz="2000" dirty="0">
                 <a:latin typeface="Times New Roman" panose="02020603050405020304" pitchFamily="18" charset="0"/>
                 <a:cs typeface="Times New Roman" panose="02020603050405020304" pitchFamily="18" charset="0"/>
               </a:rPr>
@@ -13790,7 +13653,7 @@
               <a:buAutoNum type="arabicPeriod"/>
             </a:pPr>
             <a:r>
-              <a:rPr lang="en-US" sz="2000" dirty="0" smtClean="0">
+              <a:rPr lang="en-US" sz="2000" dirty="0">
                 <a:latin typeface="Times New Roman" panose="02020603050405020304" pitchFamily="18" charset="0"/>
                 <a:cs typeface="Times New Roman" panose="02020603050405020304" pitchFamily="18" charset="0"/>
               </a:rPr>
@@ -13803,7 +13666,7 @@
                 <a:spcPct val="150000"/>
               </a:lnSpc>
             </a:pPr>
-            <a:endParaRPr lang="en-IN" sz="2000" dirty="0" smtClean="0">
+            <a:endParaRPr lang="en-IN" sz="2000" dirty="0">
               <a:latin typeface="Times New Roman" panose="02020603050405020304" pitchFamily="18" charset="0"/>
               <a:cs typeface="Times New Roman" panose="02020603050405020304" pitchFamily="18" charset="0"/>
             </a:endParaRPr>
@@ -13827,13 +13690,6 @@
   <p:clrMapOvr>
     <a:masterClrMapping/>
   </p:clrMapOvr>
-  <p:timing>
-    <p:tnLst>
-      <p:par>
-        <p:cTn id="1" dur="indefinite" restart="never" nodeType="tmRoot"/>
-      </p:par>
-    </p:tnLst>
-  </p:timing>
 </p:sld>
 </file>
 
@@ -14098,21 +13954,8 @@
                   <a:schemeClr val="bg1"/>
                 </a:solidFill>
               </a:rPr>
-              <a:t> of </a:t>
-            </a:r>
-            <a:r>
-              <a:rPr lang="en-US" dirty="0" smtClean="0">
-                <a:solidFill>
-                  <a:schemeClr val="bg1"/>
-                </a:solidFill>
-              </a:rPr>
-              <a:t>ISE</a:t>
-            </a:r>
-            <a:endParaRPr lang="en-US" dirty="0">
-              <a:solidFill>
-                <a:schemeClr val="bg1"/>
-              </a:solidFill>
-            </a:endParaRPr>
+              <a:t> of ISE</a:t>
+            </a:r>
           </a:p>
         </p:txBody>
       </p:sp>
@@ -14162,13 +14005,6 @@
   <p:clrMapOvr>
     <a:masterClrMapping/>
   </p:clrMapOvr>
-  <p:timing>
-    <p:tnLst>
-      <p:par>
-        <p:cTn id="1" dur="indefinite" restart="never" nodeType="tmRoot"/>
-      </p:par>
-    </p:tnLst>
-  </p:timing>
 </p:sld>
 </file>
 
@@ -14224,23 +14060,11 @@
                 <a:latin typeface="Times New Roman" panose="02020603050405020304" pitchFamily="18" charset="0"/>
                 <a:cs typeface="Times New Roman" panose="02020603050405020304" pitchFamily="18" charset="0"/>
               </a:rPr>
-              <a:t>Introduction to </a:t>
-            </a:r>
-            <a:r>
-              <a:rPr lang="en-IN" sz="3600" b="1" dirty="0" smtClean="0">
-                <a:effectLst>
-                  <a:outerShdw blurRad="38100" dist="38100" dir="2700000" algn="tl">
-                    <a:srgbClr val="000000">
-                      <a:alpha val="43137"/>
-                    </a:srgbClr>
-                  </a:outerShdw>
-                </a:effectLst>
-                <a:latin typeface="Times New Roman" panose="02020603050405020304" pitchFamily="18" charset="0"/>
-                <a:cs typeface="Times New Roman" panose="02020603050405020304" pitchFamily="18" charset="0"/>
-              </a:rPr>
-              <a:t>RDBMS</a:t>
-            </a:r>
-            <a:endParaRPr lang="en-IN" sz="3600" b="1" dirty="0">
+              <a:t>Introduction to RDBMS</a:t>
+            </a:r>
+          </a:p>
+          <a:p>
+            <a:endParaRPr lang="en-IN" sz="1600" dirty="0">
               <a:effectLst>
                 <a:outerShdw blurRad="38100" dist="38100" dir="2700000" algn="tl">
                   <a:srgbClr val="000000">
@@ -14253,7 +14077,7 @@
             </a:endParaRPr>
           </a:p>
           <a:p>
-            <a:endParaRPr lang="en-IN" sz="1600" dirty="0" smtClean="0">
+            <a:endParaRPr lang="en-IN" sz="1600" dirty="0">
               <a:effectLst>
                 <a:outerShdw blurRad="38100" dist="38100" dir="2700000" algn="tl">
                   <a:srgbClr val="000000">
@@ -14266,24 +14090,11 @@
             </a:endParaRPr>
           </a:p>
           <a:p>
-            <a:endParaRPr lang="en-IN" sz="1600" dirty="0" smtClean="0">
-              <a:effectLst>
-                <a:outerShdw blurRad="38100" dist="38100" dir="2700000" algn="tl">
-                  <a:srgbClr val="000000">
-                    <a:alpha val="43137"/>
-                  </a:srgbClr>
-                </a:outerShdw>
-              </a:effectLst>
-              <a:latin typeface="Times New Roman" panose="02020603050405020304" pitchFamily="18" charset="0"/>
-              <a:cs typeface="Times New Roman" panose="02020603050405020304" pitchFamily="18" charset="0"/>
-            </a:endParaRPr>
-          </a:p>
-          <a:p>
             <a:pPr marL="0" indent="0">
               <a:buNone/>
             </a:pPr>
             <a:r>
-              <a:rPr lang="en-IN" sz="2200" dirty="0" smtClean="0">
+              <a:rPr lang="en-IN" sz="2200" dirty="0">
                 <a:latin typeface="Times New Roman" panose="02020603050405020304" pitchFamily="18" charset="0"/>
                 <a:cs typeface="Times New Roman" panose="02020603050405020304" pitchFamily="18" charset="0"/>
               </a:rPr>
@@ -14293,7 +14104,7 @@
           <a:p>
             <a:pPr lvl="1"/>
             <a:r>
-              <a:rPr lang="en-IN" sz="2200" dirty="0" smtClean="0">
+              <a:rPr lang="en-IN" sz="2200" dirty="0">
                 <a:latin typeface="Times New Roman" panose="02020603050405020304" pitchFamily="18" charset="0"/>
                 <a:cs typeface="Times New Roman" panose="02020603050405020304" pitchFamily="18" charset="0"/>
               </a:rPr>
@@ -14303,7 +14114,7 @@
           <a:p>
             <a:pPr lvl="1"/>
             <a:r>
-              <a:rPr lang="en-IN" sz="2200" dirty="0" smtClean="0">
+              <a:rPr lang="en-IN" sz="2200" dirty="0">
                 <a:latin typeface="Times New Roman" panose="02020603050405020304" pitchFamily="18" charset="0"/>
                 <a:cs typeface="Times New Roman" panose="02020603050405020304" pitchFamily="18" charset="0"/>
               </a:rPr>
@@ -14313,7 +14124,7 @@
           <a:p>
             <a:pPr lvl="1"/>
             <a:r>
-              <a:rPr lang="en-IN" sz="2200" dirty="0" smtClean="0">
+              <a:rPr lang="en-IN" sz="2200" dirty="0">
                 <a:latin typeface="Times New Roman" panose="02020603050405020304" pitchFamily="18" charset="0"/>
                 <a:cs typeface="Times New Roman" panose="02020603050405020304" pitchFamily="18" charset="0"/>
               </a:rPr>
@@ -14340,7 +14151,7 @@
             <a:pPr marL="457200" lvl="1" indent="0">
               <a:buNone/>
             </a:pPr>
-            <a:endParaRPr lang="en-IN" sz="1400" dirty="0" smtClean="0">
+            <a:endParaRPr lang="en-IN" sz="1400" dirty="0">
               <a:effectLst>
                 <a:outerShdw blurRad="38100" dist="38100" dir="2700000" algn="tl">
                   <a:srgbClr val="000000">
@@ -14588,9 +14399,27 @@
                 <a:tableStyleId>{5C22544A-7EE6-4342-B048-85BDC9FD1C3A}</a:tableStyleId>
               </a:tblPr>
               <a:tblGrid>
-                <a:gridCol w="719999"/>
-                <a:gridCol w="2160001"/>
-                <a:gridCol w="1440000"/>
+                <a:gridCol w="719999">
+                  <a:extLst>
+                    <a:ext uri="{9D8B030D-6E8A-4147-A177-3AD203B41FA5}">
+                      <a16:colId xmlns:a16="http://schemas.microsoft.com/office/drawing/2014/main" val="20000"/>
+                    </a:ext>
+                  </a:extLst>
+                </a:gridCol>
+                <a:gridCol w="2160001">
+                  <a:extLst>
+                    <a:ext uri="{9D8B030D-6E8A-4147-A177-3AD203B41FA5}">
+                      <a16:colId xmlns:a16="http://schemas.microsoft.com/office/drawing/2014/main" val="20001"/>
+                    </a:ext>
+                  </a:extLst>
+                </a:gridCol>
+                <a:gridCol w="1440000">
+                  <a:extLst>
+                    <a:ext uri="{9D8B030D-6E8A-4147-A177-3AD203B41FA5}">
+                      <a16:colId xmlns:a16="http://schemas.microsoft.com/office/drawing/2014/main" val="20002"/>
+                    </a:ext>
+                  </a:extLst>
+                </a:gridCol>
               </a:tblGrid>
               <a:tr h="0">
                 <a:tc>
@@ -14599,10 +14428,9 @@
                     <a:lstStyle/>
                     <a:p>
                       <a:r>
-                        <a:rPr lang="en-IN" dirty="0" smtClean="0"/>
+                        <a:rPr lang="en-IN" dirty="0"/>
                         <a:t>No.</a:t>
                       </a:r>
-                      <a:endParaRPr lang="en-IN" dirty="0"/>
                     </a:p>
                   </a:txBody>
                   <a:tcPr/>
@@ -14613,10 +14441,9 @@
                     <a:lstStyle/>
                     <a:p>
                       <a:r>
-                        <a:rPr lang="en-IN" dirty="0" smtClean="0"/>
+                        <a:rPr lang="en-IN" dirty="0"/>
                         <a:t>Course -Name</a:t>
                       </a:r>
-                      <a:endParaRPr lang="en-IN" dirty="0"/>
                     </a:p>
                   </a:txBody>
                   <a:tcPr/>
@@ -14627,14 +14454,18 @@
                     <a:lstStyle/>
                     <a:p>
                       <a:r>
-                        <a:rPr lang="en-IN" dirty="0" smtClean="0"/>
+                        <a:rPr lang="en-IN" dirty="0"/>
                         <a:t>Unit</a:t>
                       </a:r>
-                      <a:endParaRPr lang="en-IN" dirty="0"/>
                     </a:p>
                   </a:txBody>
                   <a:tcPr/>
                 </a:tc>
+                <a:extLst>
+                  <a:ext uri="{0D108BD9-81ED-4DB2-BD59-A6C34878D82A}">
+                    <a16:rowId xmlns:a16="http://schemas.microsoft.com/office/drawing/2014/main" val="10000"/>
+                  </a:ext>
+                </a:extLst>
               </a:tr>
               <a:tr h="370840">
                 <a:tc>
@@ -14643,10 +14474,9 @@
                     <a:lstStyle/>
                     <a:p>
                       <a:r>
-                        <a:rPr lang="en-IN" dirty="0" smtClean="0"/>
+                        <a:rPr lang="en-IN" dirty="0"/>
                         <a:t>C111</a:t>
                       </a:r>
-                      <a:endParaRPr lang="en-IN" dirty="0"/>
                     </a:p>
                   </a:txBody>
                   <a:tcPr/>
@@ -14657,10 +14487,9 @@
                     <a:lstStyle/>
                     <a:p>
                       <a:r>
-                        <a:rPr lang="en-IN" dirty="0" smtClean="0"/>
+                        <a:rPr lang="en-IN" dirty="0"/>
                         <a:t>Intro to C</a:t>
                       </a:r>
-                      <a:endParaRPr lang="en-IN" dirty="0"/>
                     </a:p>
                   </a:txBody>
                   <a:tcPr/>
@@ -14671,14 +14500,18 @@
                     <a:lstStyle/>
                     <a:p>
                       <a:r>
-                        <a:rPr lang="en-IN" dirty="0" smtClean="0"/>
+                        <a:rPr lang="en-IN" dirty="0"/>
                         <a:t>4</a:t>
                       </a:r>
-                      <a:endParaRPr lang="en-IN" dirty="0"/>
                     </a:p>
                   </a:txBody>
                   <a:tcPr/>
                 </a:tc>
+                <a:extLst>
+                  <a:ext uri="{0D108BD9-81ED-4DB2-BD59-A6C34878D82A}">
+                    <a16:rowId xmlns:a16="http://schemas.microsoft.com/office/drawing/2014/main" val="10001"/>
+                  </a:ext>
+                </a:extLst>
               </a:tr>
               <a:tr h="370840">
                 <a:tc>
@@ -14687,10 +14520,9 @@
                     <a:lstStyle/>
                     <a:p>
                       <a:r>
-                        <a:rPr lang="en-IN" dirty="0" smtClean="0"/>
+                        <a:rPr lang="en-IN" dirty="0"/>
                         <a:t>C123</a:t>
                       </a:r>
-                      <a:endParaRPr lang="en-IN" dirty="0"/>
                     </a:p>
                   </a:txBody>
                   <a:tcPr/>
@@ -14701,10 +14533,9 @@
                     <a:lstStyle/>
                     <a:p>
                       <a:r>
-                        <a:rPr lang="en-IN" dirty="0" smtClean="0"/>
+                        <a:rPr lang="en-IN" dirty="0"/>
                         <a:t>Java</a:t>
                       </a:r>
-                      <a:endParaRPr lang="en-IN" dirty="0"/>
                     </a:p>
                   </a:txBody>
                   <a:tcPr/>
@@ -14715,14 +14546,18 @@
                     <a:lstStyle/>
                     <a:p>
                       <a:r>
-                        <a:rPr lang="en-IN" dirty="0" smtClean="0"/>
+                        <a:rPr lang="en-IN" dirty="0"/>
                         <a:t>3</a:t>
                       </a:r>
-                      <a:endParaRPr lang="en-IN" dirty="0"/>
                     </a:p>
                   </a:txBody>
                   <a:tcPr/>
                 </a:tc>
+                <a:extLst>
+                  <a:ext uri="{0D108BD9-81ED-4DB2-BD59-A6C34878D82A}">
+                    <a16:rowId xmlns:a16="http://schemas.microsoft.com/office/drawing/2014/main" val="10002"/>
+                  </a:ext>
+                </a:extLst>
               </a:tr>
               <a:tr h="370840">
                 <a:tc>
@@ -14731,10 +14566,9 @@
                     <a:lstStyle/>
                     <a:p>
                       <a:r>
-                        <a:rPr lang="en-IN" dirty="0" smtClean="0"/>
+                        <a:rPr lang="en-IN" dirty="0"/>
                         <a:t>C151</a:t>
                       </a:r>
-                      <a:endParaRPr lang="en-IN" dirty="0"/>
                     </a:p>
                   </a:txBody>
                   <a:tcPr/>
@@ -14745,10 +14579,9 @@
                     <a:lstStyle/>
                     <a:p>
                       <a:r>
-                        <a:rPr lang="en-IN" dirty="0" smtClean="0"/>
+                        <a:rPr lang="en-IN" dirty="0"/>
                         <a:t>Unix</a:t>
                       </a:r>
-                      <a:endParaRPr lang="en-IN" dirty="0"/>
                     </a:p>
                   </a:txBody>
                   <a:tcPr/>
@@ -14759,14 +14592,18 @@
                     <a:lstStyle/>
                     <a:p>
                       <a:r>
-                        <a:rPr lang="en-IN" dirty="0" smtClean="0"/>
+                        <a:rPr lang="en-IN" dirty="0"/>
                         <a:t>5</a:t>
                       </a:r>
-                      <a:endParaRPr lang="en-IN" dirty="0"/>
                     </a:p>
                   </a:txBody>
                   <a:tcPr/>
                 </a:tc>
+                <a:extLst>
+                  <a:ext uri="{0D108BD9-81ED-4DB2-BD59-A6C34878D82A}">
+                    <a16:rowId xmlns:a16="http://schemas.microsoft.com/office/drawing/2014/main" val="10003"/>
+                  </a:ext>
+                </a:extLst>
               </a:tr>
             </a:tbl>
           </a:graphicData>
@@ -14782,13 +14619,6 @@
   <p:clrMapOvr>
     <a:masterClrMapping/>
   </p:clrMapOvr>
-  <p:timing>
-    <p:tnLst>
-      <p:par>
-        <p:cTn id="1" dur="indefinite" restart="never" nodeType="tmRoot"/>
-      </p:par>
-    </p:tnLst>
-  </p:timing>
 </p:sld>
 </file>
 
@@ -14833,7 +14663,7 @@
               <a:buNone/>
             </a:pPr>
             <a:r>
-              <a:rPr lang="en-IN" sz="3600" b="1" dirty="0" smtClean="0">
+              <a:rPr lang="en-IN" sz="3600" b="1" dirty="0">
                 <a:effectLst>
                   <a:outerShdw blurRad="38100" dist="38100" dir="2700000" algn="tl">
                     <a:srgbClr val="000000">
@@ -14846,56 +14676,51 @@
               </a:rPr>
               <a:t>Issues with RDBMS: Scalability</a:t>
             </a:r>
-            <a:endParaRPr lang="en-IN" sz="3600" b="1" dirty="0">
-              <a:effectLst>
-                <a:outerShdw blurRad="38100" dist="38100" dir="2700000" algn="tl">
-                  <a:srgbClr val="000000">
-                    <a:alpha val="43137"/>
-                  </a:srgbClr>
-                </a:outerShdw>
-              </a:effectLst>
-              <a:latin typeface="Times New Roman" panose="02020603050405020304" pitchFamily="18" charset="0"/>
-              <a:cs typeface="Times New Roman" panose="02020603050405020304" pitchFamily="18" charset="0"/>
-            </a:endParaRPr>
-          </a:p>
-          <a:p>
-            <a:endParaRPr lang="en-IN" sz="1600" dirty="0" smtClean="0">
+          </a:p>
+          <a:p>
+            <a:endParaRPr lang="en-IN" sz="1600" dirty="0">
               <a:latin typeface="Arial" panose="020B0604020202020204" pitchFamily="34" charset="0"/>
               <a:cs typeface="Arial" panose="020B0604020202020204" pitchFamily="34" charset="0"/>
             </a:endParaRPr>
           </a:p>
           <a:p>
             <a:r>
-              <a:rPr lang="en-IN" sz="2200" dirty="0" smtClean="0">
+              <a:rPr lang="en-IN" sz="2200" dirty="0">
                 <a:latin typeface="Times New Roman" panose="02020603050405020304" pitchFamily="18" charset="0"/>
                 <a:cs typeface="Times New Roman" panose="02020603050405020304" pitchFamily="18" charset="0"/>
               </a:rPr>
-              <a:t>Issues with scaling up when the dataset is just too big e.g. Big Data.</a:t>
-            </a:r>
-          </a:p>
-          <a:p>
-            <a:r>
-              <a:rPr lang="en-IN" sz="2200" dirty="0" smtClean="0">
+              <a:t>Issues with </a:t>
+            </a:r>
+            <a:r>
+              <a:rPr lang="en-IN" sz="2200" dirty="0">
+                <a:highlight>
+                  <a:srgbClr val="FFFF00"/>
+                </a:highlight>
                 <a:latin typeface="Times New Roman" panose="02020603050405020304" pitchFamily="18" charset="0"/>
                 <a:cs typeface="Times New Roman" panose="02020603050405020304" pitchFamily="18" charset="0"/>
               </a:rPr>
-              <a:t>Not designed to be </a:t>
-            </a:r>
-            <a:r>
-              <a:rPr lang="en-IN" sz="2200" dirty="0" smtClean="0">
+              <a:t>scaling up when the dataset is just too big e.g. Big Data</a:t>
+            </a:r>
+            <a:r>
+              <a:rPr lang="en-IN" sz="2200" dirty="0">
                 <a:latin typeface="Times New Roman" panose="02020603050405020304" pitchFamily="18" charset="0"/>
                 <a:cs typeface="Times New Roman" panose="02020603050405020304" pitchFamily="18" charset="0"/>
               </a:rPr>
-              <a:t>distributed.</a:t>
-            </a:r>
-            <a:endParaRPr lang="en-IN" sz="2200" dirty="0" smtClean="0">
-              <a:latin typeface="Times New Roman" panose="02020603050405020304" pitchFamily="18" charset="0"/>
-              <a:cs typeface="Times New Roman" panose="02020603050405020304" pitchFamily="18" charset="0"/>
-            </a:endParaRPr>
-          </a:p>
-          <a:p>
-            <a:r>
-              <a:rPr lang="en-IN" sz="2200" dirty="0" smtClean="0">
+              <a:t>.</a:t>
+            </a:r>
+          </a:p>
+          <a:p>
+            <a:r>
+              <a:rPr lang="en-IN" sz="2200" dirty="0">
+                <a:latin typeface="Times New Roman" panose="02020603050405020304" pitchFamily="18" charset="0"/>
+                <a:cs typeface="Times New Roman" panose="02020603050405020304" pitchFamily="18" charset="0"/>
+              </a:rPr>
+              <a:t>Not designed to be distributed.</a:t>
+            </a:r>
+          </a:p>
+          <a:p>
+            <a:r>
+              <a:rPr lang="en-IN" sz="2200" dirty="0">
                 <a:latin typeface="Times New Roman" panose="02020603050405020304" pitchFamily="18" charset="0"/>
                 <a:cs typeface="Times New Roman" panose="02020603050405020304" pitchFamily="18" charset="0"/>
               </a:rPr>
@@ -14904,7 +14729,7 @@
           </a:p>
           <a:p>
             <a:r>
-              <a:rPr lang="en-IN" sz="2200" dirty="0" smtClean="0">
+              <a:rPr lang="en-IN" sz="2200" dirty="0">
                 <a:latin typeface="Times New Roman" panose="02020603050405020304" pitchFamily="18" charset="0"/>
                 <a:cs typeface="Times New Roman" panose="02020603050405020304" pitchFamily="18" charset="0"/>
               </a:rPr>
@@ -14914,7 +14739,7 @@
           <a:p>
             <a:pPr lvl="1"/>
             <a:r>
-              <a:rPr lang="en-IN" sz="2200" dirty="0" smtClean="0">
+              <a:rPr lang="en-IN" sz="2200" dirty="0">
                 <a:latin typeface="Times New Roman" panose="02020603050405020304" pitchFamily="18" charset="0"/>
                 <a:cs typeface="Times New Roman" panose="02020603050405020304" pitchFamily="18" charset="0"/>
               </a:rPr>
@@ -14924,7 +14749,7 @@
           <a:p>
             <a:pPr lvl="1"/>
             <a:r>
-              <a:rPr lang="en-IN" sz="2200" dirty="0" smtClean="0">
+              <a:rPr lang="en-IN" sz="2200" dirty="0">
                 <a:latin typeface="Times New Roman" panose="02020603050405020304" pitchFamily="18" charset="0"/>
                 <a:cs typeface="Times New Roman" panose="02020603050405020304" pitchFamily="18" charset="0"/>
               </a:rPr>
@@ -15152,13 +14977,6 @@
   <p:clrMapOvr>
     <a:masterClrMapping/>
   </p:clrMapOvr>
-  <p:timing>
-    <p:tnLst>
-      <p:par>
-        <p:cTn id="1" dur="indefinite" restart="never" nodeType="tmRoot"/>
-      </p:par>
-    </p:tnLst>
-  </p:timing>
 </p:sld>
 </file>
 
@@ -15205,7 +15023,7 @@
               <a:buNone/>
             </a:pPr>
             <a:r>
-              <a:rPr lang="en-IN" sz="3600" b="1" dirty="0" smtClean="0">
+              <a:rPr lang="en-IN" sz="3600" b="1" dirty="0">
                 <a:effectLst>
                   <a:outerShdw blurRad="38100" dist="38100" dir="2700000" algn="tl">
                     <a:srgbClr val="000000">
@@ -15218,20 +15036,9 @@
               </a:rPr>
               <a:t>Why are RDBMS not suitable for BIGDATA</a:t>
             </a:r>
-            <a:endParaRPr lang="en-IN" sz="3600" b="1" dirty="0">
-              <a:effectLst>
-                <a:outerShdw blurRad="38100" dist="38100" dir="2700000" algn="tl">
-                  <a:srgbClr val="000000">
-                    <a:alpha val="43137"/>
-                  </a:srgbClr>
-                </a:outerShdw>
-              </a:effectLst>
-              <a:latin typeface="Times New Roman" panose="02020603050405020304" pitchFamily="18" charset="0"/>
-              <a:cs typeface="Times New Roman" panose="02020603050405020304" pitchFamily="18" charset="0"/>
-            </a:endParaRPr>
-          </a:p>
-          <a:p>
-            <a:endParaRPr lang="en-IN" sz="1600" dirty="0" smtClean="0">
+          </a:p>
+          <a:p>
+            <a:endParaRPr lang="en-IN" sz="1600" dirty="0">
               <a:latin typeface="Arial" panose="020B0604020202020204" pitchFamily="34" charset="0"/>
               <a:cs typeface="Arial" panose="020B0604020202020204" pitchFamily="34" charset="0"/>
             </a:endParaRPr>
@@ -15245,37 +15052,19 @@
                 <a:latin typeface="Times New Roman" panose="02020603050405020304" pitchFamily="18" charset="0"/>
                 <a:cs typeface="Times New Roman" panose="02020603050405020304" pitchFamily="18" charset="0"/>
               </a:rPr>
-              <a:t>The context is </a:t>
-            </a:r>
-            <a:r>
-              <a:rPr lang="en-IN" sz="2600" dirty="0" smtClean="0">
-                <a:latin typeface="Times New Roman" panose="02020603050405020304" pitchFamily="18" charset="0"/>
-                <a:cs typeface="Times New Roman" panose="02020603050405020304" pitchFamily="18" charset="0"/>
-              </a:rPr>
-              <a:t>Internet.</a:t>
-            </a:r>
-            <a:endParaRPr lang="en-IN" sz="2600" dirty="0">
-              <a:latin typeface="Times New Roman" panose="02020603050405020304" pitchFamily="18" charset="0"/>
-              <a:cs typeface="Times New Roman" panose="02020603050405020304" pitchFamily="18" charset="0"/>
-            </a:endParaRPr>
+              <a:t>The context is Internet.</a:t>
+            </a:r>
           </a:p>
           <a:p>
             <a:pPr marL="0" indent="0">
               <a:buNone/>
             </a:pPr>
-            <a:r>
-              <a:rPr lang="en-IN" sz="2600" dirty="0" smtClean="0">
-                <a:latin typeface="Times New Roman" panose="02020603050405020304" pitchFamily="18" charset="0"/>
-                <a:cs typeface="Times New Roman" panose="02020603050405020304" pitchFamily="18" charset="0"/>
-              </a:rPr>
-              <a:t>RDBMSs </a:t>
-            </a:r>
             <a:r>
               <a:rPr lang="en-IN" sz="2600" dirty="0">
                 <a:latin typeface="Times New Roman" panose="02020603050405020304" pitchFamily="18" charset="0"/>
                 <a:cs typeface="Times New Roman" panose="02020603050405020304" pitchFamily="18" charset="0"/>
               </a:rPr>
-              <a:t>assume that data are</a:t>
+              <a:t>RDBMSs assume that data are</a:t>
             </a:r>
           </a:p>
           <a:p>
@@ -15283,7 +15072,43 @@
               <a:buNone/>
             </a:pPr>
             <a:r>
-              <a:rPr lang="en-IN" sz="2200" dirty="0" smtClean="0">
+              <a:rPr lang="en-IN" sz="2200" dirty="0">
+                <a:latin typeface="Times New Roman" panose="02020603050405020304" pitchFamily="18" charset="0"/>
+                <a:cs typeface="Times New Roman" panose="02020603050405020304" pitchFamily="18" charset="0"/>
+              </a:rPr>
+              <a:t>	▪ Dense</a:t>
+            </a:r>
+          </a:p>
+          <a:p>
+            <a:pPr marL="0" indent="0">
+              <a:buNone/>
+            </a:pPr>
+            <a:r>
+              <a:rPr lang="en-IN" sz="2200" dirty="0">
+                <a:latin typeface="Times New Roman" panose="02020603050405020304" pitchFamily="18" charset="0"/>
+                <a:cs typeface="Times New Roman" panose="02020603050405020304" pitchFamily="18" charset="0"/>
+              </a:rPr>
+              <a:t>	▪ Largely uniform (structured data)</a:t>
+            </a:r>
+          </a:p>
+          <a:p>
+            <a:pPr marL="0" indent="0">
+              <a:buNone/>
+            </a:pPr>
+            <a:r>
+              <a:rPr lang="en-IN" sz="2600" dirty="0">
+                <a:latin typeface="Times New Roman" panose="02020603050405020304" pitchFamily="18" charset="0"/>
+                <a:cs typeface="Times New Roman" panose="02020603050405020304" pitchFamily="18" charset="0"/>
+              </a:rPr>
+              <a:t>Data coming from Internet are</a:t>
+            </a:r>
+          </a:p>
+          <a:p>
+            <a:pPr marL="0" indent="0">
+              <a:buNone/>
+            </a:pPr>
+            <a:r>
+              <a:rPr lang="en-IN" sz="2200" dirty="0">
                 <a:latin typeface="Times New Roman" panose="02020603050405020304" pitchFamily="18" charset="0"/>
                 <a:cs typeface="Times New Roman" panose="02020603050405020304" pitchFamily="18" charset="0"/>
               </a:rPr>
@@ -15291,10 +15116,13 @@
             </a:r>
             <a:r>
               <a:rPr lang="en-IN" sz="2200" dirty="0">
+                <a:highlight>
+                  <a:srgbClr val="FFFF00"/>
+                </a:highlight>
                 <a:latin typeface="Times New Roman" panose="02020603050405020304" pitchFamily="18" charset="0"/>
                 <a:cs typeface="Times New Roman" panose="02020603050405020304" pitchFamily="18" charset="0"/>
               </a:rPr>
-              <a:t>Dense</a:t>
+              <a:t>Massive and sparse</a:t>
             </a:r>
           </a:p>
           <a:p>
@@ -15302,7 +15130,7 @@
               <a:buNone/>
             </a:pPr>
             <a:r>
-              <a:rPr lang="en-IN" sz="2200" dirty="0" smtClean="0">
+              <a:rPr lang="en-IN" sz="2200" dirty="0">
                 <a:latin typeface="Times New Roman" panose="02020603050405020304" pitchFamily="18" charset="0"/>
                 <a:cs typeface="Times New Roman" panose="02020603050405020304" pitchFamily="18" charset="0"/>
               </a:rPr>
@@ -15310,119 +15138,26 @@
             </a:r>
             <a:r>
               <a:rPr lang="en-IN" sz="2200" dirty="0">
+                <a:highlight>
+                  <a:srgbClr val="FFFF00"/>
+                </a:highlight>
                 <a:latin typeface="Times New Roman" panose="02020603050405020304" pitchFamily="18" charset="0"/>
                 <a:cs typeface="Times New Roman" panose="02020603050405020304" pitchFamily="18" charset="0"/>
               </a:rPr>
-              <a:t>Largely uniform (structured data)</a:t>
+              <a:t>Semi-structured or unstructured</a:t>
             </a:r>
           </a:p>
           <a:p>
             <a:pPr marL="0" indent="0">
               <a:buNone/>
             </a:pPr>
-            <a:r>
-              <a:rPr lang="en-IN" sz="2600" dirty="0" smtClean="0">
-                <a:latin typeface="Times New Roman" panose="02020603050405020304" pitchFamily="18" charset="0"/>
-                <a:cs typeface="Times New Roman" panose="02020603050405020304" pitchFamily="18" charset="0"/>
-              </a:rPr>
-              <a:t>Data </a:t>
-            </a:r>
             <a:r>
               <a:rPr lang="en-IN" sz="2600" dirty="0">
                 <a:latin typeface="Times New Roman" panose="02020603050405020304" pitchFamily="18" charset="0"/>
                 <a:cs typeface="Times New Roman" panose="02020603050405020304" pitchFamily="18" charset="0"/>
               </a:rPr>
-              <a:t>coming from Internet </a:t>
-            </a:r>
-            <a:r>
-              <a:rPr lang="en-IN" sz="2600" dirty="0" smtClean="0">
-                <a:latin typeface="Times New Roman" panose="02020603050405020304" pitchFamily="18" charset="0"/>
-                <a:cs typeface="Times New Roman" panose="02020603050405020304" pitchFamily="18" charset="0"/>
-              </a:rPr>
-              <a:t>are</a:t>
-            </a:r>
-          </a:p>
-          <a:p>
-            <a:pPr marL="0" indent="0">
-              <a:buNone/>
-            </a:pPr>
-            <a:r>
-              <a:rPr lang="en-IN" sz="2200" dirty="0">
-                <a:latin typeface="Times New Roman" panose="02020603050405020304" pitchFamily="18" charset="0"/>
-                <a:cs typeface="Times New Roman" panose="02020603050405020304" pitchFamily="18" charset="0"/>
-              </a:rPr>
-              <a:t>	</a:t>
-            </a:r>
-            <a:r>
-              <a:rPr lang="en-IN" sz="2200" dirty="0" smtClean="0">
-                <a:latin typeface="Times New Roman" panose="02020603050405020304" pitchFamily="18" charset="0"/>
-                <a:cs typeface="Times New Roman" panose="02020603050405020304" pitchFamily="18" charset="0"/>
-              </a:rPr>
-              <a:t>▪ </a:t>
-            </a:r>
-            <a:r>
-              <a:rPr lang="en-IN" sz="2200" dirty="0">
-                <a:latin typeface="Times New Roman" panose="02020603050405020304" pitchFamily="18" charset="0"/>
-                <a:cs typeface="Times New Roman" panose="02020603050405020304" pitchFamily="18" charset="0"/>
-              </a:rPr>
-              <a:t>Massive and sparse</a:t>
-            </a:r>
-          </a:p>
-          <a:p>
-            <a:pPr marL="0" indent="0">
-              <a:buNone/>
-            </a:pPr>
-            <a:r>
-              <a:rPr lang="en-IN" sz="2200" dirty="0" smtClean="0">
-                <a:latin typeface="Times New Roman" panose="02020603050405020304" pitchFamily="18" charset="0"/>
-                <a:cs typeface="Times New Roman" panose="02020603050405020304" pitchFamily="18" charset="0"/>
-              </a:rPr>
-              <a:t>	▪ </a:t>
-            </a:r>
-            <a:r>
-              <a:rPr lang="en-IN" sz="2200" dirty="0">
-                <a:latin typeface="Times New Roman" panose="02020603050405020304" pitchFamily="18" charset="0"/>
-                <a:cs typeface="Times New Roman" panose="02020603050405020304" pitchFamily="18" charset="0"/>
-              </a:rPr>
-              <a:t>Semi-structured or unstructured</a:t>
-            </a:r>
-          </a:p>
-          <a:p>
-            <a:pPr marL="0" indent="0">
-              <a:buNone/>
-            </a:pPr>
-            <a:r>
-              <a:rPr lang="en-IN" sz="2600" dirty="0" smtClean="0">
-                <a:latin typeface="Times New Roman" panose="02020603050405020304" pitchFamily="18" charset="0"/>
-                <a:cs typeface="Times New Roman" panose="02020603050405020304" pitchFamily="18" charset="0"/>
-              </a:rPr>
-              <a:t>With </a:t>
-            </a:r>
-            <a:r>
-              <a:rPr lang="en-IN" sz="2600" dirty="0">
-                <a:latin typeface="Times New Roman" panose="02020603050405020304" pitchFamily="18" charset="0"/>
-                <a:cs typeface="Times New Roman" panose="02020603050405020304" pitchFamily="18" charset="0"/>
-              </a:rPr>
-              <a:t>massive sparse data sets, the typical storage mechanisms and access </a:t>
-            </a:r>
-            <a:r>
-              <a:rPr lang="en-IN" sz="2600" dirty="0" smtClean="0">
-                <a:latin typeface="Times New Roman" panose="02020603050405020304" pitchFamily="18" charset="0"/>
-                <a:cs typeface="Times New Roman" panose="02020603050405020304" pitchFamily="18" charset="0"/>
-              </a:rPr>
-              <a:t>methods get </a:t>
-            </a:r>
-            <a:r>
-              <a:rPr lang="en-IN" sz="2600" dirty="0" smtClean="0">
-                <a:latin typeface="Times New Roman" panose="02020603050405020304" pitchFamily="18" charset="0"/>
-                <a:cs typeface="Times New Roman" panose="02020603050405020304" pitchFamily="18" charset="0"/>
-              </a:rPr>
-              <a:t>stretched.</a:t>
-            </a:r>
-            <a:endParaRPr lang="en-IN" sz="2600" dirty="0" smtClean="0">
-              <a:latin typeface="Times New Roman" panose="02020603050405020304" pitchFamily="18" charset="0"/>
-              <a:cs typeface="Times New Roman" panose="02020603050405020304" pitchFamily="18" charset="0"/>
-            </a:endParaRPr>
+              <a:t>With massive sparse data sets, the typical storage mechanisms and access methods get stretched.</a:t>
+            </a:r>
           </a:p>
         </p:txBody>
       </p:sp>
@@ -15645,13 +15380,6 @@
   <p:clrMapOvr>
     <a:masterClrMapping/>
   </p:clrMapOvr>
-  <p:timing>
-    <p:tnLst>
-      <p:par>
-        <p:cTn id="1" dur="indefinite" restart="never" nodeType="tmRoot"/>
-      </p:par>
-    </p:tnLst>
-  </p:timing>
 </p:sld>
 </file>
 
@@ -15694,7 +15422,7 @@
           </a:bodyPr>
           <a:lstStyle/>
           <a:p>
-            <a:endParaRPr lang="en-IN" sz="1600" dirty="0" smtClean="0">
+            <a:endParaRPr lang="en-IN" sz="1600" dirty="0">
               <a:latin typeface="Arial" panose="020B0604020202020204" pitchFamily="34" charset="0"/>
               <a:cs typeface="Arial" panose="020B0604020202020204" pitchFamily="34" charset="0"/>
             </a:endParaRPr>
@@ -15707,27 +15435,13 @@
               <a:buNone/>
             </a:pPr>
             <a:r>
-              <a:rPr lang="en-US" sz="2400" dirty="0" smtClean="0">
-                <a:latin typeface="Times New Roman" panose="02020603050405020304" pitchFamily="18" charset="0"/>
-                <a:cs typeface="Times New Roman" panose="02020603050405020304" pitchFamily="18" charset="0"/>
-              </a:rPr>
-              <a:t>NoSQL </a:t>
-            </a:r>
-            <a:r>
               <a:rPr lang="en-US" sz="2400" dirty="0">
                 <a:latin typeface="Times New Roman" panose="02020603050405020304" pitchFamily="18" charset="0"/>
                 <a:cs typeface="Times New Roman" panose="02020603050405020304" pitchFamily="18" charset="0"/>
               </a:rPr>
-              <a:t>stands </a:t>
-            </a:r>
-            <a:r>
-              <a:rPr lang="en-US" sz="2400" dirty="0" smtClean="0">
-                <a:latin typeface="Times New Roman" panose="02020603050405020304" pitchFamily="18" charset="0"/>
-                <a:cs typeface="Times New Roman" panose="02020603050405020304" pitchFamily="18" charset="0"/>
-              </a:rPr>
-              <a:t>for:</a:t>
-            </a:r>
-            <a:endParaRPr lang="en-US" sz="2200" dirty="0" smtClean="0">
+              <a:t>NoSQL stands for:</a:t>
+            </a:r>
+            <a:endParaRPr lang="en-US" sz="2200" dirty="0">
               <a:latin typeface="Times New Roman" panose="02020603050405020304" pitchFamily="18" charset="0"/>
               <a:cs typeface="Times New Roman" panose="02020603050405020304" pitchFamily="18" charset="0"/>
             </a:endParaRPr>
@@ -15739,7 +15453,7 @@
               </a:lnSpc>
             </a:pPr>
             <a:r>
-              <a:rPr lang="en-US" sz="2200" dirty="0" smtClean="0">
+              <a:rPr lang="en-US" sz="2200" dirty="0">
                 <a:latin typeface="Times New Roman" panose="02020603050405020304" pitchFamily="18" charset="0"/>
                 <a:cs typeface="Times New Roman" panose="02020603050405020304" pitchFamily="18" charset="0"/>
               </a:rPr>
@@ -15753,7 +15467,7 @@
               </a:lnSpc>
             </a:pPr>
             <a:r>
-              <a:rPr lang="en-US" sz="2200" dirty="0" smtClean="0">
+              <a:rPr lang="en-US" sz="2200" dirty="0">
                 <a:latin typeface="Times New Roman" panose="02020603050405020304" pitchFamily="18" charset="0"/>
                 <a:cs typeface="Times New Roman" panose="02020603050405020304" pitchFamily="18" charset="0"/>
               </a:rPr>
@@ -15767,25 +15481,11 @@
               </a:lnSpc>
             </a:pPr>
             <a:r>
-              <a:rPr lang="en-US" sz="2200" dirty="0" smtClean="0">
-                <a:latin typeface="Times New Roman" panose="02020603050405020304" pitchFamily="18" charset="0"/>
-                <a:cs typeface="Times New Roman" panose="02020603050405020304" pitchFamily="18" charset="0"/>
-              </a:rPr>
-              <a:t>Not </a:t>
-            </a:r>
-            <a:r>
               <a:rPr lang="en-US" sz="2200" dirty="0">
                 <a:latin typeface="Times New Roman" panose="02020603050405020304" pitchFamily="18" charset="0"/>
                 <a:cs typeface="Times New Roman" panose="02020603050405020304" pitchFamily="18" charset="0"/>
               </a:rPr>
-              <a:t>Only </a:t>
-            </a:r>
-            <a:r>
-              <a:rPr lang="en-US" sz="2200" dirty="0" smtClean="0">
-                <a:latin typeface="Times New Roman" panose="02020603050405020304" pitchFamily="18" charset="0"/>
-                <a:cs typeface="Times New Roman" panose="02020603050405020304" pitchFamily="18" charset="0"/>
-              </a:rPr>
-              <a:t>SQL</a:t>
+              <a:t>Not Only SQL</a:t>
             </a:r>
           </a:p>
           <a:p>
@@ -15805,94 +15505,51 @@
               <a:buNone/>
             </a:pPr>
             <a:r>
-              <a:rPr lang="en-US" sz="2400" dirty="0" smtClean="0">
-                <a:latin typeface="Times New Roman" panose="02020603050405020304" pitchFamily="18" charset="0"/>
-                <a:cs typeface="Times New Roman" panose="02020603050405020304" pitchFamily="18" charset="0"/>
-              </a:rPr>
-              <a:t>NoSQL </a:t>
-            </a:r>
-            <a:r>
               <a:rPr lang="en-US" sz="2400" dirty="0">
                 <a:latin typeface="Times New Roman" panose="02020603050405020304" pitchFamily="18" charset="0"/>
                 <a:cs typeface="Times New Roman" panose="02020603050405020304" pitchFamily="18" charset="0"/>
               </a:rPr>
-              <a:t>is an umbrella term for all databases and data stores that don’t follow </a:t>
-            </a:r>
-            <a:r>
-              <a:rPr lang="en-US" sz="2400" dirty="0" smtClean="0">
+              <a:t>NoSQL is an umbrella term for all databases and data stores that don’t follow the RDBMS principles</a:t>
+            </a:r>
+          </a:p>
+          <a:p>
+            <a:pPr lvl="1"/>
+            <a:r>
+              <a:rPr lang="en-US" sz="2200" dirty="0">
+                <a:highlight>
+                  <a:srgbClr val="FFFF00"/>
+                </a:highlight>
                 <a:latin typeface="Times New Roman" panose="02020603050405020304" pitchFamily="18" charset="0"/>
                 <a:cs typeface="Times New Roman" panose="02020603050405020304" pitchFamily="18" charset="0"/>
               </a:rPr>
-              <a:t>the RDBMS principles</a:t>
-            </a:r>
-            <a:endParaRPr lang="en-US" sz="2400" dirty="0">
-              <a:latin typeface="Times New Roman" panose="02020603050405020304" pitchFamily="18" charset="0"/>
-              <a:cs typeface="Times New Roman" panose="02020603050405020304" pitchFamily="18" charset="0"/>
-            </a:endParaRPr>
+              <a:t>A class of products</a:t>
+            </a:r>
           </a:p>
           <a:p>
             <a:pPr lvl="1"/>
-            <a:r>
-              <a:rPr lang="en-US" sz="2200" dirty="0" smtClean="0">
-                <a:latin typeface="Times New Roman" panose="02020603050405020304" pitchFamily="18" charset="0"/>
-                <a:cs typeface="Times New Roman" panose="02020603050405020304" pitchFamily="18" charset="0"/>
-              </a:rPr>
-              <a:t>A </a:t>
-            </a:r>
             <a:r>
               <a:rPr lang="en-US" sz="2200" dirty="0">
                 <a:latin typeface="Times New Roman" panose="02020603050405020304" pitchFamily="18" charset="0"/>
                 <a:cs typeface="Times New Roman" panose="02020603050405020304" pitchFamily="18" charset="0"/>
               </a:rPr>
-              <a:t>class of products</a:t>
+              <a:t>A collection of several (related) concepts about data storage and manipulation</a:t>
             </a:r>
           </a:p>
           <a:p>
             <a:pPr lvl="1"/>
-            <a:r>
-              <a:rPr lang="en-US" sz="2200" dirty="0" smtClean="0">
-                <a:latin typeface="Times New Roman" panose="02020603050405020304" pitchFamily="18" charset="0"/>
-                <a:cs typeface="Times New Roman" panose="02020603050405020304" pitchFamily="18" charset="0"/>
-              </a:rPr>
-              <a:t>A </a:t>
-            </a:r>
             <a:r>
               <a:rPr lang="en-US" sz="2200" dirty="0">
                 <a:latin typeface="Times New Roman" panose="02020603050405020304" pitchFamily="18" charset="0"/>
                 <a:cs typeface="Times New Roman" panose="02020603050405020304" pitchFamily="18" charset="0"/>
               </a:rPr>
-              <a:t>collection of several (related) concepts about data storage and manipulation</a:t>
-            </a:r>
-          </a:p>
-          <a:p>
-            <a:pPr lvl="1"/>
-            <a:r>
-              <a:rPr lang="en-US" sz="2200" dirty="0" smtClean="0">
-                <a:latin typeface="Times New Roman" panose="02020603050405020304" pitchFamily="18" charset="0"/>
-                <a:cs typeface="Times New Roman" panose="02020603050405020304" pitchFamily="18" charset="0"/>
-              </a:rPr>
-              <a:t>Often </a:t>
-            </a:r>
-            <a:r>
-              <a:rPr lang="en-US" sz="2200" dirty="0">
-                <a:latin typeface="Times New Roman" panose="02020603050405020304" pitchFamily="18" charset="0"/>
-                <a:cs typeface="Times New Roman" panose="02020603050405020304" pitchFamily="18" charset="0"/>
-              </a:rPr>
-              <a:t>related to large data </a:t>
-            </a:r>
-            <a:r>
-              <a:rPr lang="en-US" sz="2200" dirty="0" smtClean="0">
-                <a:latin typeface="Times New Roman" panose="02020603050405020304" pitchFamily="18" charset="0"/>
-                <a:cs typeface="Times New Roman" panose="02020603050405020304" pitchFamily="18" charset="0"/>
-              </a:rPr>
-              <a:t>sets</a:t>
+              <a:t>Often related to large data sets</a:t>
             </a:r>
           </a:p>
           <a:p>
             <a:pPr marL="457200" lvl="1" indent="0">
               <a:buNone/>
             </a:pPr>
-            <a:endParaRPr lang="en-US" sz="2200" dirty="0" smtClean="0">
+            <a:endParaRPr lang="en-US" sz="2200" dirty="0">
               <a:latin typeface="Times New Roman" panose="02020603050405020304" pitchFamily="18" charset="0"/>
               <a:cs typeface="Times New Roman" panose="02020603050405020304" pitchFamily="18" charset="0"/>
             </a:endParaRPr>
@@ -15918,7 +15575,17 @@
                 <a:latin typeface="Times New Roman" panose="02020603050405020304" pitchFamily="18" charset="0"/>
                 <a:cs typeface="Times New Roman" panose="02020603050405020304" pitchFamily="18" charset="0"/>
               </a:rPr>
-              <a:t>▪ Due to massively scalable Internet applications</a:t>
+              <a:t>▪ Due </a:t>
+            </a:r>
+            <a:r>
+              <a:rPr lang="en-US" sz="2200" dirty="0">
+                <a:highlight>
+                  <a:srgbClr val="FFFF00"/>
+                </a:highlight>
+                <a:latin typeface="Times New Roman" panose="02020603050405020304" pitchFamily="18" charset="0"/>
+                <a:cs typeface="Times New Roman" panose="02020603050405020304" pitchFamily="18" charset="0"/>
+              </a:rPr>
+              <a:t>to massively scalable Internet applications</a:t>
             </a:r>
           </a:p>
           <a:p>
@@ -15930,12 +15597,18 @@
                 <a:latin typeface="Times New Roman" panose="02020603050405020304" pitchFamily="18" charset="0"/>
                 <a:cs typeface="Times New Roman" panose="02020603050405020304" pitchFamily="18" charset="0"/>
               </a:rPr>
-              <a:t>▪ Based on distributed and parallel computing </a:t>
-            </a:r>
-            <a:endParaRPr lang="en-US" sz="2200" dirty="0" smtClean="0">
-              <a:latin typeface="Times New Roman" panose="02020603050405020304" pitchFamily="18" charset="0"/>
-              <a:cs typeface="Times New Roman" panose="02020603050405020304" pitchFamily="18" charset="0"/>
-            </a:endParaRPr>
+              <a:t>▪ Based on </a:t>
+            </a:r>
+            <a:r>
+              <a:rPr lang="en-US" sz="2200" dirty="0">
+                <a:highlight>
+                  <a:srgbClr val="FFFF00"/>
+                </a:highlight>
+                <a:latin typeface="Times New Roman" panose="02020603050405020304" pitchFamily="18" charset="0"/>
+                <a:cs typeface="Times New Roman" panose="02020603050405020304" pitchFamily="18" charset="0"/>
+              </a:rPr>
+              <a:t>distributed and parallel computing </a:t>
+            </a:r>
           </a:p>
         </p:txBody>
       </p:sp>
@@ -16158,13 +15831,6 @@
   <p:clrMapOvr>
     <a:masterClrMapping/>
   </p:clrMapOvr>
-  <p:timing>
-    <p:tnLst>
-      <p:par>
-        <p:cTn id="1" dur="indefinite" restart="never" nodeType="tmRoot"/>
-      </p:par>
-    </p:tnLst>
-  </p:timing>
 </p:sld>
 </file>
 
@@ -16211,7 +15877,7 @@
               <a:buNone/>
             </a:pPr>
             <a:r>
-              <a:rPr lang="en-IN" sz="3600" b="1" dirty="0" smtClean="0">
+              <a:rPr lang="en-IN" sz="3600" b="1" dirty="0">
                 <a:effectLst>
                   <a:outerShdw blurRad="38100" dist="38100" dir="2700000" algn="tl">
                     <a:srgbClr val="000000">
@@ -16224,21 +15890,10 @@
               </a:rPr>
               <a:t>NOSQL and BIGDATA</a:t>
             </a:r>
-            <a:endParaRPr lang="en-IN" sz="3600" b="1" dirty="0">
-              <a:effectLst>
-                <a:outerShdw blurRad="38100" dist="38100" dir="2700000" algn="tl">
-                  <a:srgbClr val="000000">
-                    <a:alpha val="43137"/>
-                  </a:srgbClr>
-                </a:outerShdw>
-              </a:effectLst>
-              <a:latin typeface="Times New Roman" panose="02020603050405020304" pitchFamily="18" charset="0"/>
-              <a:cs typeface="Times New Roman" panose="02020603050405020304" pitchFamily="18" charset="0"/>
-            </a:endParaRPr>
           </a:p>
           <a:p>
             <a:pPr algn="just"/>
-            <a:endParaRPr lang="en-IN" sz="1600" dirty="0" smtClean="0">
+            <a:endParaRPr lang="en-IN" sz="1600" dirty="0">
               <a:latin typeface="Arial" panose="020B0604020202020204" pitchFamily="34" charset="0"/>
               <a:cs typeface="Arial" panose="020B0604020202020204" pitchFamily="34" charset="0"/>
             </a:endParaRPr>
@@ -16247,49 +15902,24 @@
             <a:pPr marL="355600" indent="-355600" algn="just">
               <a:buNone/>
             </a:pPr>
-            <a:r>
-              <a:rPr lang="en-US" sz="2200" dirty="0" smtClean="0">
-                <a:latin typeface="Times New Roman" panose="02020603050405020304" pitchFamily="18" charset="0"/>
-                <a:cs typeface="Times New Roman" panose="02020603050405020304" pitchFamily="18" charset="0"/>
-              </a:rPr>
-              <a:t>1. NoSQL </a:t>
-            </a:r>
             <a:r>
               <a:rPr lang="en-US" sz="2200" dirty="0">
                 <a:latin typeface="Times New Roman" panose="02020603050405020304" pitchFamily="18" charset="0"/>
                 <a:cs typeface="Times New Roman" panose="02020603050405020304" pitchFamily="18" charset="0"/>
               </a:rPr>
-              <a:t>comes from Internet, thus it is often related to the “big data” </a:t>
-            </a:r>
-            <a:r>
-              <a:rPr lang="en-US" sz="2200" dirty="0" smtClean="0">
-                <a:latin typeface="Times New Roman" panose="02020603050405020304" pitchFamily="18" charset="0"/>
-                <a:cs typeface="Times New Roman" panose="02020603050405020304" pitchFamily="18" charset="0"/>
-              </a:rPr>
-              <a:t>concept.</a:t>
-            </a:r>
-            <a:endParaRPr lang="en-US" sz="2200" dirty="0">
-              <a:latin typeface="Times New Roman" panose="02020603050405020304" pitchFamily="18" charset="0"/>
-              <a:cs typeface="Times New Roman" panose="02020603050405020304" pitchFamily="18" charset="0"/>
-            </a:endParaRPr>
+              <a:t>1. NoSQL comes from Internet, thus it is often related to the “big data” concept.</a:t>
+            </a:r>
           </a:p>
           <a:p>
             <a:pPr marL="0" indent="0" algn="just">
               <a:buNone/>
             </a:pPr>
-            <a:r>
-              <a:rPr lang="en-US" sz="2200" dirty="0" smtClean="0">
-                <a:latin typeface="Times New Roman" panose="02020603050405020304" pitchFamily="18" charset="0"/>
-                <a:cs typeface="Times New Roman" panose="02020603050405020304" pitchFamily="18" charset="0"/>
-              </a:rPr>
-              <a:t>2. How </a:t>
-            </a:r>
             <a:r>
               <a:rPr lang="en-US" sz="2200" dirty="0">
                 <a:latin typeface="Times New Roman" panose="02020603050405020304" pitchFamily="18" charset="0"/>
                 <a:cs typeface="Times New Roman" panose="02020603050405020304" pitchFamily="18" charset="0"/>
               </a:rPr>
-              <a:t>much big are “big data”?</a:t>
+              <a:t>2. How much big are “big data”?</a:t>
             </a:r>
           </a:p>
           <a:p>
@@ -16300,14 +15930,14 @@
               </a:tabLst>
             </a:pPr>
             <a:r>
-              <a:rPr lang="en-US" sz="2200" dirty="0" smtClean="0">
+              <a:rPr lang="en-US" sz="2200" dirty="0">
                 <a:latin typeface="Times New Roman" panose="02020603050405020304" pitchFamily="18" charset="0"/>
                 <a:cs typeface="Times New Roman" panose="02020603050405020304" pitchFamily="18" charset="0"/>
               </a:rPr>
               <a:t>	</a:t>
             </a:r>
             <a:r>
-              <a:rPr lang="en-US" sz="2000" dirty="0" smtClean="0">
+              <a:rPr lang="en-US" sz="2000" dirty="0">
                 <a:latin typeface="Times New Roman" panose="02020603050405020304" pitchFamily="18" charset="0"/>
                 <a:cs typeface="Times New Roman" panose="02020603050405020304" pitchFamily="18" charset="0"/>
               </a:rPr>
@@ -16315,47 +15945,47 @@
             </a:r>
             <a:r>
               <a:rPr lang="en-US" sz="2000" dirty="0">
+                <a:highlight>
+                  <a:srgbClr val="FFFF00"/>
+                </a:highlight>
                 <a:latin typeface="Times New Roman" panose="02020603050405020304" pitchFamily="18" charset="0"/>
                 <a:cs typeface="Times New Roman" panose="02020603050405020304" pitchFamily="18" charset="0"/>
               </a:rPr>
-              <a:t>few terabytes </a:t>
-            </a:r>
-            <a:r>
-              <a:rPr lang="en-US" sz="2000" dirty="0" smtClean="0">
+              <a:t>few terabytes enough to start spanning multiple storage units.</a:t>
+            </a:r>
+            <a:endParaRPr lang="en-US" sz="2200" dirty="0">
+              <a:highlight>
+                <a:srgbClr val="FFFF00"/>
+              </a:highlight>
+              <a:latin typeface="Times New Roman" panose="02020603050405020304" pitchFamily="18" charset="0"/>
+              <a:cs typeface="Times New Roman" panose="02020603050405020304" pitchFamily="18" charset="0"/>
+            </a:endParaRPr>
+          </a:p>
+          <a:p>
+            <a:pPr marL="0" indent="0" algn="just">
+              <a:buNone/>
+            </a:pPr>
+            <a:r>
+              <a:rPr lang="en-US" sz="2200" dirty="0">
                 <a:latin typeface="Times New Roman" panose="02020603050405020304" pitchFamily="18" charset="0"/>
                 <a:cs typeface="Times New Roman" panose="02020603050405020304" pitchFamily="18" charset="0"/>
               </a:rPr>
-              <a:t>enough </a:t>
-            </a:r>
+              <a:t>3. Challenges</a:t>
+            </a:r>
+          </a:p>
+          <a:p>
+            <a:pPr marL="722313" indent="0" algn="just" defTabSz="312738">
+              <a:buNone/>
+              <a:tabLst>
+                <a:tab pos="539750" algn="l"/>
+              </a:tabLst>
+            </a:pPr>
             <a:r>
               <a:rPr lang="en-US" sz="2000" dirty="0">
                 <a:latin typeface="Times New Roman" panose="02020603050405020304" pitchFamily="18" charset="0"/>
                 <a:cs typeface="Times New Roman" panose="02020603050405020304" pitchFamily="18" charset="0"/>
               </a:rPr>
-              <a:t>to start spanning multiple storage </a:t>
-            </a:r>
-            <a:r>
-              <a:rPr lang="en-US" sz="2000" dirty="0" smtClean="0">
-                <a:latin typeface="Times New Roman" panose="02020603050405020304" pitchFamily="18" charset="0"/>
-                <a:cs typeface="Times New Roman" panose="02020603050405020304" pitchFamily="18" charset="0"/>
-              </a:rPr>
-              <a:t>units.</a:t>
-            </a:r>
-            <a:endParaRPr lang="en-US" sz="2200" dirty="0">
-              <a:latin typeface="Times New Roman" panose="02020603050405020304" pitchFamily="18" charset="0"/>
-              <a:cs typeface="Times New Roman" panose="02020603050405020304" pitchFamily="18" charset="0"/>
-            </a:endParaRPr>
-          </a:p>
-          <a:p>
-            <a:pPr marL="0" indent="0" algn="just">
-              <a:buNone/>
-            </a:pPr>
-            <a:r>
-              <a:rPr lang="en-US" sz="2200" dirty="0" smtClean="0">
-                <a:latin typeface="Times New Roman" panose="02020603050405020304" pitchFamily="18" charset="0"/>
-                <a:cs typeface="Times New Roman" panose="02020603050405020304" pitchFamily="18" charset="0"/>
-              </a:rPr>
-              <a:t>3. Challenges</a:t>
+              <a:t>▪ Efficiently storing and accessing large amounts of data is difficult, even more considering fault tolerance and backups.</a:t>
             </a:r>
           </a:p>
           <a:p>
@@ -16366,33 +15996,7 @@
               </a:tabLst>
             </a:pPr>
             <a:r>
-              <a:rPr lang="en-US" sz="2000" dirty="0" smtClean="0">
-                <a:latin typeface="Times New Roman" panose="02020603050405020304" pitchFamily="18" charset="0"/>
-                <a:cs typeface="Times New Roman" panose="02020603050405020304" pitchFamily="18" charset="0"/>
-              </a:rPr>
-              <a:t>▪ Efficiently storing and accessing large amounts of data is difficult, even more considering fault tolerance and </a:t>
-            </a:r>
-            <a:r>
-              <a:rPr lang="en-US" sz="2000" dirty="0" smtClean="0">
-                <a:latin typeface="Times New Roman" panose="02020603050405020304" pitchFamily="18" charset="0"/>
-                <a:cs typeface="Times New Roman" panose="02020603050405020304" pitchFamily="18" charset="0"/>
-              </a:rPr>
-              <a:t>backups.</a:t>
-            </a:r>
-            <a:endParaRPr lang="en-US" sz="2000" dirty="0" smtClean="0">
-              <a:latin typeface="Times New Roman" panose="02020603050405020304" pitchFamily="18" charset="0"/>
-              <a:cs typeface="Times New Roman" panose="02020603050405020304" pitchFamily="18" charset="0"/>
-            </a:endParaRPr>
-          </a:p>
-          <a:p>
-            <a:pPr marL="722313" indent="0" algn="just" defTabSz="312738">
-              <a:buNone/>
-              <a:tabLst>
-                <a:tab pos="539750" algn="l"/>
-              </a:tabLst>
-            </a:pPr>
-            <a:r>
-              <a:rPr lang="en-US" sz="2000" dirty="0" smtClean="0">
+              <a:rPr lang="en-US" sz="2000" dirty="0">
                 <a:latin typeface="Times New Roman" panose="02020603050405020304" pitchFamily="18" charset="0"/>
                 <a:cs typeface="Times New Roman" panose="02020603050405020304" pitchFamily="18" charset="0"/>
               </a:rPr>
@@ -16400,42 +16004,34 @@
             </a:r>
             <a:r>
               <a:rPr lang="en-US" sz="2000" dirty="0">
+                <a:highlight>
+                  <a:srgbClr val="FFFF00"/>
+                </a:highlight>
                 <a:latin typeface="Times New Roman" panose="02020603050405020304" pitchFamily="18" charset="0"/>
                 <a:cs typeface="Times New Roman" panose="02020603050405020304" pitchFamily="18" charset="0"/>
               </a:rPr>
-              <a:t>Manipulating large data sets involves running immensely parallel </a:t>
-            </a:r>
-            <a:r>
-              <a:rPr lang="en-US" sz="2000" dirty="0" smtClean="0">
-                <a:latin typeface="Times New Roman" panose="02020603050405020304" pitchFamily="18" charset="0"/>
-                <a:cs typeface="Times New Roman" panose="02020603050405020304" pitchFamily="18" charset="0"/>
-              </a:rPr>
-              <a:t>processes.</a:t>
-            </a:r>
-            <a:endParaRPr lang="en-US" sz="2000" dirty="0">
-              <a:latin typeface="Times New Roman" panose="02020603050405020304" pitchFamily="18" charset="0"/>
-              <a:cs typeface="Times New Roman" panose="02020603050405020304" pitchFamily="18" charset="0"/>
-            </a:endParaRPr>
-          </a:p>
-          <a:p>
-            <a:pPr marL="722313" indent="0" algn="just">
-              <a:buNone/>
-            </a:pPr>
+              <a:t>Manipulating large data sets involves running immensely parallel processes</a:t>
+            </a:r>
             <a:r>
               <a:rPr lang="en-US" sz="2000" dirty="0">
                 <a:latin typeface="Times New Roman" panose="02020603050405020304" pitchFamily="18" charset="0"/>
                 <a:cs typeface="Times New Roman" panose="02020603050405020304" pitchFamily="18" charset="0"/>
               </a:rPr>
-              <a:t>▪ Managing continuously evolving schema and metadata for semi-structured and unstructured data is </a:t>
-            </a:r>
-            <a:r>
-              <a:rPr lang="en-US" sz="2000" dirty="0" smtClean="0">
+              <a:t>.</a:t>
+            </a:r>
+          </a:p>
+          <a:p>
+            <a:pPr marL="722313" indent="0" algn="just">
+              <a:buNone/>
+            </a:pPr>
+            <a:r>
+              <a:rPr lang="en-US" sz="2000" dirty="0">
                 <a:latin typeface="Times New Roman" panose="02020603050405020304" pitchFamily="18" charset="0"/>
                 <a:cs typeface="Times New Roman" panose="02020603050405020304" pitchFamily="18" charset="0"/>
               </a:rPr>
-              <a:t>difficult.</a:t>
-            </a:r>
-            <a:endParaRPr lang="en-IN" sz="2000" dirty="0" smtClean="0">
+              <a:t>▪ Managing continuously evolving schema and metadata for semi-structured and unstructured data is difficult.</a:t>
+            </a:r>
+            <a:endParaRPr lang="en-IN" sz="2000" dirty="0">
               <a:latin typeface="Times New Roman" panose="02020603050405020304" pitchFamily="18" charset="0"/>
               <a:cs typeface="Times New Roman" panose="02020603050405020304" pitchFamily="18" charset="0"/>
             </a:endParaRPr>
@@ -16661,13 +16257,6 @@
   <p:clrMapOvr>
     <a:masterClrMapping/>
   </p:clrMapOvr>
-  <p:timing>
-    <p:tnLst>
-      <p:par>
-        <p:cTn id="1" dur="indefinite" restart="never" nodeType="tmRoot"/>
-      </p:par>
-    </p:tnLst>
-  </p:timing>
 </p:sld>
 </file>
 
@@ -16932,21 +16521,8 @@
                   <a:schemeClr val="bg1"/>
                 </a:solidFill>
               </a:rPr>
-              <a:t> of </a:t>
-            </a:r>
-            <a:r>
-              <a:rPr lang="en-US" dirty="0" smtClean="0">
-                <a:solidFill>
-                  <a:schemeClr val="bg1"/>
-                </a:solidFill>
-              </a:rPr>
-              <a:t>ISE</a:t>
-            </a:r>
-            <a:endParaRPr lang="en-US" dirty="0">
-              <a:solidFill>
-                <a:schemeClr val="bg1"/>
-              </a:solidFill>
-            </a:endParaRPr>
+              <a:t> of ISE</a:t>
+            </a:r>
           </a:p>
         </p:txBody>
       </p:sp>
@@ -16973,7 +16549,7 @@
           <a:lstStyle/>
           <a:p>
             <a:r>
-              <a:rPr lang="en-IN" sz="3600" b="1" dirty="0" smtClean="0">
+              <a:rPr lang="en-IN" sz="3600" b="1" dirty="0">
                 <a:effectLst>
                   <a:outerShdw blurRad="38100" dist="38100" dir="2700000" algn="tl">
                     <a:srgbClr val="000000">
@@ -16986,17 +16562,6 @@
               </a:rPr>
               <a:t>What is NoSQL?</a:t>
             </a:r>
-            <a:endParaRPr lang="en-IN" sz="3600" b="1" dirty="0">
-              <a:effectLst>
-                <a:outerShdw blurRad="38100" dist="38100" dir="2700000" algn="tl">
-                  <a:srgbClr val="000000">
-                    <a:alpha val="43137"/>
-                  </a:srgbClr>
-                </a:outerShdw>
-              </a:effectLst>
-              <a:latin typeface="Times New Roman" panose="02020603050405020304" pitchFamily="18" charset="0"/>
-              <a:cs typeface="Times New Roman" panose="02020603050405020304" pitchFamily="18" charset="0"/>
-            </a:endParaRPr>
           </a:p>
         </p:txBody>
       </p:sp>
@@ -17034,14 +16599,17 @@
                 <a:latin typeface="Times New Roman" panose="02020603050405020304" pitchFamily="18" charset="0"/>
                 <a:cs typeface="Times New Roman" panose="02020603050405020304" pitchFamily="18" charset="0"/>
               </a:rPr>
-              <a:t>NoSQL is a type of database management system (DBMS) that is designed to handle and store large volumes of unstructured and semi-structured data</a:t>
-            </a:r>
-            <a:r>
-              <a:rPr lang="en-US" dirty="0" smtClean="0">
+              <a:t>NoSQL is a type of database management system (DBMS) that is </a:t>
+            </a:r>
+            <a:r>
+              <a:rPr lang="en-US" dirty="0">
+                <a:highlight>
+                  <a:srgbClr val="FFFF00"/>
+                </a:highlight>
                 <a:latin typeface="Times New Roman" panose="02020603050405020304" pitchFamily="18" charset="0"/>
                 <a:cs typeface="Times New Roman" panose="02020603050405020304" pitchFamily="18" charset="0"/>
               </a:rPr>
-              <a:t>.</a:t>
+              <a:t>designed to handle and store large volumes of unstructured and semi-structured data.</a:t>
             </a:r>
           </a:p>
           <a:p>
@@ -17054,13 +16622,65 @@
             </a:pPr>
             <a:r>
               <a:rPr lang="en-US" dirty="0">
+                <a:highlight>
+                  <a:srgbClr val="FFFF00"/>
+                </a:highlight>
                 <a:latin typeface="Times New Roman" panose="02020603050405020304" pitchFamily="18" charset="0"/>
                 <a:cs typeface="Times New Roman" panose="02020603050405020304" pitchFamily="18" charset="0"/>
               </a:rPr>
-              <a:t>NoSQL databases use flexible data models that can adapt to changes in data structures and are </a:t>
+              <a:t>NoSQL databases use </a:t>
+            </a:r>
+            <a:r>
+              <a:rPr lang="en-US" dirty="0">
+                <a:solidFill>
+                  <a:srgbClr val="FF0000"/>
+                </a:solidFill>
+                <a:highlight>
+                  <a:srgbClr val="FFFF00"/>
+                </a:highlight>
+                <a:latin typeface="Times New Roman" panose="02020603050405020304" pitchFamily="18" charset="0"/>
+                <a:cs typeface="Times New Roman" panose="02020603050405020304" pitchFamily="18" charset="0"/>
+              </a:rPr>
+              <a:t>flexible data models </a:t>
+            </a:r>
+            <a:r>
+              <a:rPr lang="en-US" dirty="0">
+                <a:highlight>
+                  <a:srgbClr val="FFFF00"/>
+                </a:highlight>
+                <a:latin typeface="Times New Roman" panose="02020603050405020304" pitchFamily="18" charset="0"/>
+                <a:cs typeface="Times New Roman" panose="02020603050405020304" pitchFamily="18" charset="0"/>
+              </a:rPr>
+              <a:t>that can adapt to changes </a:t>
+            </a:r>
+            <a:r>
+              <a:rPr lang="en-US" dirty="0">
+                <a:latin typeface="Times New Roman" panose="02020603050405020304" pitchFamily="18" charset="0"/>
+                <a:cs typeface="Times New Roman" panose="02020603050405020304" pitchFamily="18" charset="0"/>
+              </a:rPr>
+              <a:t>in data structures and </a:t>
+            </a:r>
+            <a:r>
+              <a:rPr lang="en-US" dirty="0">
+                <a:solidFill>
+                  <a:srgbClr val="FF0000"/>
+                </a:solidFill>
+                <a:highlight>
+                  <a:srgbClr val="FFFF00"/>
+                </a:highlight>
+                <a:latin typeface="Times New Roman" panose="02020603050405020304" pitchFamily="18" charset="0"/>
+                <a:cs typeface="Times New Roman" panose="02020603050405020304" pitchFamily="18" charset="0"/>
+              </a:rPr>
+              <a:t>are </a:t>
             </a:r>
             <a:r>
               <a:rPr lang="en-US" sz="2000" dirty="0">
+                <a:solidFill>
+                  <a:srgbClr val="FF0000"/>
+                </a:solidFill>
+                <a:highlight>
+                  <a:srgbClr val="FFFF00"/>
+                </a:highlight>
                 <a:latin typeface="Times New Roman" panose="02020603050405020304" pitchFamily="18" charset="0"/>
                 <a:cs typeface="Times New Roman" panose="02020603050405020304" pitchFamily="18" charset="0"/>
               </a:rPr>
@@ -17068,13 +16688,19 @@
             </a:r>
             <a:r>
               <a:rPr lang="en-US" dirty="0">
+                <a:solidFill>
+                  <a:srgbClr val="FF0000"/>
+                </a:solidFill>
+                <a:highlight>
+                  <a:srgbClr val="FFFF00"/>
+                </a:highlight>
                 <a:latin typeface="Times New Roman" panose="02020603050405020304" pitchFamily="18" charset="0"/>
                 <a:cs typeface="Times New Roman" panose="02020603050405020304" pitchFamily="18" charset="0"/>
               </a:rPr>
               <a:t> of scaling horizontally to handle growing amounts of data</a:t>
             </a:r>
             <a:r>
-              <a:rPr lang="en-US" dirty="0" smtClean="0">
+              <a:rPr lang="en-US" dirty="0">
                 <a:latin typeface="Times New Roman" panose="02020603050405020304" pitchFamily="18" charset="0"/>
                 <a:cs typeface="Times New Roman" panose="02020603050405020304" pitchFamily="18" charset="0"/>
               </a:rPr>
@@ -17094,14 +16720,20 @@
                 <a:latin typeface="Times New Roman" panose="02020603050405020304" pitchFamily="18" charset="0"/>
                 <a:cs typeface="Times New Roman" panose="02020603050405020304" pitchFamily="18" charset="0"/>
               </a:rPr>
-              <a:t>NoSQL databases have expanded to include a wide range of different database architectures and data models</a:t>
-            </a:r>
-            <a:r>
-              <a:rPr lang="en-US" dirty="0" smtClean="0">
+              <a:t>NoSQL databases have expanded to include a wide range of </a:t>
+            </a:r>
+            <a:r>
+              <a:rPr lang="en-US" dirty="0">
+                <a:solidFill>
+                  <a:srgbClr val="FF0000"/>
+                </a:solidFill>
+                <a:highlight>
+                  <a:srgbClr val="FFFF00"/>
+                </a:highlight>
                 <a:latin typeface="Times New Roman" panose="02020603050405020304" pitchFamily="18" charset="0"/>
                 <a:cs typeface="Times New Roman" panose="02020603050405020304" pitchFamily="18" charset="0"/>
               </a:rPr>
-              <a:t>.</a:t>
+              <a:t>different database architectures and data models.</a:t>
             </a:r>
           </a:p>
           <a:p>
@@ -17117,14 +16749,47 @@
                 <a:latin typeface="Times New Roman" panose="02020603050405020304" pitchFamily="18" charset="0"/>
                 <a:cs typeface="Times New Roman" panose="02020603050405020304" pitchFamily="18" charset="0"/>
               </a:rPr>
-              <a:t>NoSQL databases are often used in applications where there is a high volume of data that needs to be processed and analyzed in real-time, such as social media analytics, e-commerce, and gaming</a:t>
-            </a:r>
-            <a:r>
-              <a:rPr lang="en-US" dirty="0" smtClean="0">
+              <a:t>NoSQL databases are often used in applications </a:t>
+            </a:r>
+            <a:r>
+              <a:rPr lang="en-US" dirty="0">
+                <a:solidFill>
+                  <a:srgbClr val="FF0000"/>
+                </a:solidFill>
+                <a:highlight>
+                  <a:srgbClr val="FFFF00"/>
+                </a:highlight>
                 <a:latin typeface="Times New Roman" panose="02020603050405020304" pitchFamily="18" charset="0"/>
                 <a:cs typeface="Times New Roman" panose="02020603050405020304" pitchFamily="18" charset="0"/>
               </a:rPr>
-              <a:t>.</a:t>
+              <a:t>where there is a high volume of data </a:t>
+            </a:r>
+            <a:r>
+              <a:rPr lang="en-US" dirty="0">
+                <a:latin typeface="Times New Roman" panose="02020603050405020304" pitchFamily="18" charset="0"/>
+                <a:cs typeface="Times New Roman" panose="02020603050405020304" pitchFamily="18" charset="0"/>
+              </a:rPr>
+              <a:t>that needs to be </a:t>
+            </a:r>
+            <a:r>
+              <a:rPr lang="en-US" dirty="0">
+                <a:solidFill>
+                  <a:srgbClr val="FF0000"/>
+                </a:solidFill>
+                <a:highlight>
+                  <a:srgbClr val="FFFF00"/>
+                </a:highlight>
+                <a:latin typeface="Times New Roman" panose="02020603050405020304" pitchFamily="18" charset="0"/>
+                <a:cs typeface="Times New Roman" panose="02020603050405020304" pitchFamily="18" charset="0"/>
+              </a:rPr>
+              <a:t>processed and analyzed in real-time</a:t>
+            </a:r>
+            <a:r>
+              <a:rPr lang="en-US" dirty="0">
+                <a:latin typeface="Times New Roman" panose="02020603050405020304" pitchFamily="18" charset="0"/>
+                <a:cs typeface="Times New Roman" panose="02020603050405020304" pitchFamily="18" charset="0"/>
+              </a:rPr>
+              <a:t>, such as social media analytics, e-commerce, and gaming.</a:t>
             </a:r>
           </a:p>
           <a:p>
@@ -17140,14 +16805,7 @@
                 <a:latin typeface="Times New Roman" panose="02020603050405020304" pitchFamily="18" charset="0"/>
                 <a:cs typeface="Times New Roman" panose="02020603050405020304" pitchFamily="18" charset="0"/>
               </a:rPr>
-              <a:t>NoSQL databases are a relatively new type of database management system that </a:t>
-            </a:r>
-            <a:r>
-              <a:rPr lang="en-US" dirty="0" smtClean="0">
-                <a:latin typeface="Times New Roman" panose="02020603050405020304" pitchFamily="18" charset="0"/>
-                <a:cs typeface="Times New Roman" panose="02020603050405020304" pitchFamily="18" charset="0"/>
-              </a:rPr>
-              <a:t>has a</a:t>
+              <a:t>NoSQL databases are a relatively new type of database management system that has a</a:t>
             </a:r>
             <a:r>
               <a:rPr lang="en-US" b="1" dirty="0">
@@ -17184,10 +16842,6 @@
               </a:rPr>
               <a:t>flexibility.</a:t>
             </a:r>
-            <a:endParaRPr lang="en-US" b="1" dirty="0" smtClean="0">
-              <a:latin typeface="Times New Roman" panose="02020603050405020304" pitchFamily="18" charset="0"/>
-              <a:cs typeface="Times New Roman" panose="02020603050405020304" pitchFamily="18" charset="0"/>
-            </a:endParaRPr>
           </a:p>
           <a:p>
             <a:pPr marL="342900" indent="-342900" algn="just">
@@ -17211,13 +16865,6 @@
   <p:clrMapOvr>
     <a:masterClrMapping/>
   </p:clrMapOvr>
-  <p:timing>
-    <p:tnLst>
-      <p:par>
-        <p:cTn id="1" dur="indefinite" restart="never" nodeType="tmRoot"/>
-      </p:par>
-    </p:tnLst>
-  </p:timing>
 </p:sld>
 </file>
 
@@ -17482,21 +17129,8 @@
                   <a:schemeClr val="bg1"/>
                 </a:solidFill>
               </a:rPr>
-              <a:t> of </a:t>
-            </a:r>
-            <a:r>
-              <a:rPr lang="en-US" dirty="0" smtClean="0">
-                <a:solidFill>
-                  <a:schemeClr val="bg1"/>
-                </a:solidFill>
-              </a:rPr>
-              <a:t>ISE</a:t>
-            </a:r>
-            <a:endParaRPr lang="en-US" dirty="0">
-              <a:solidFill>
-                <a:schemeClr val="bg1"/>
-              </a:solidFill>
-            </a:endParaRPr>
+              <a:t> of ISE</a:t>
+            </a:r>
           </a:p>
         </p:txBody>
       </p:sp>
@@ -17534,21 +17168,7 @@
                 <a:latin typeface="Times New Roman" panose="02020603050405020304" pitchFamily="18" charset="0"/>
                 <a:cs typeface="Times New Roman" panose="02020603050405020304" pitchFamily="18" charset="0"/>
               </a:rPr>
-              <a:t>Key Features of </a:t>
-            </a:r>
-            <a:r>
-              <a:rPr lang="en-IN" sz="3200" b="1" dirty="0" smtClean="0">
-                <a:effectLst>
-                  <a:outerShdw blurRad="38100" dist="38100" dir="2700000" algn="tl">
-                    <a:srgbClr val="000000">
-                      <a:alpha val="43137"/>
-                    </a:srgbClr>
-                  </a:outerShdw>
-                </a:effectLst>
-                <a:latin typeface="Times New Roman" panose="02020603050405020304" pitchFamily="18" charset="0"/>
-                <a:cs typeface="Times New Roman" panose="02020603050405020304" pitchFamily="18" charset="0"/>
-              </a:rPr>
-              <a:t>NoSQL</a:t>
+              <a:t>Key Features of NoSQL</a:t>
             </a:r>
             <a:endParaRPr lang="en-IN" sz="3200" dirty="0">
               <a:effectLst>
@@ -17598,14 +17218,7 @@
                 <a:latin typeface="Times New Roman" panose="02020603050405020304" pitchFamily="18" charset="0"/>
                 <a:cs typeface="Times New Roman" panose="02020603050405020304" pitchFamily="18" charset="0"/>
               </a:rPr>
-              <a:t>Dynamic </a:t>
-            </a:r>
-            <a:r>
-              <a:rPr lang="en-IN" b="1" dirty="0" smtClean="0">
-                <a:latin typeface="Times New Roman" panose="02020603050405020304" pitchFamily="18" charset="0"/>
-                <a:cs typeface="Times New Roman" panose="02020603050405020304" pitchFamily="18" charset="0"/>
-              </a:rPr>
-              <a:t>schema</a:t>
+              <a:t>Dynamic schema</a:t>
             </a:r>
           </a:p>
           <a:p>
@@ -17621,14 +17234,7 @@
                 <a:latin typeface="Times New Roman" panose="02020603050405020304" pitchFamily="18" charset="0"/>
                 <a:cs typeface="Times New Roman" panose="02020603050405020304" pitchFamily="18" charset="0"/>
               </a:rPr>
-              <a:t>Horizontal </a:t>
-            </a:r>
-            <a:r>
-              <a:rPr lang="en-IN" b="1" dirty="0" smtClean="0">
-                <a:latin typeface="Times New Roman" panose="02020603050405020304" pitchFamily="18" charset="0"/>
-                <a:cs typeface="Times New Roman" panose="02020603050405020304" pitchFamily="18" charset="0"/>
-              </a:rPr>
-              <a:t>scalability</a:t>
+              <a:t>Horizontal scalability</a:t>
             </a:r>
           </a:p>
           <a:p>
@@ -17640,7 +17246,7 @@
               <a:buAutoNum type="arabicPeriod"/>
             </a:pPr>
             <a:r>
-              <a:rPr lang="en-IN" b="1" dirty="0" smtClean="0">
+              <a:rPr lang="en-IN" b="1" dirty="0">
                 <a:latin typeface="Times New Roman" panose="02020603050405020304" pitchFamily="18" charset="0"/>
                 <a:cs typeface="Times New Roman" panose="02020603050405020304" pitchFamily="18" charset="0"/>
               </a:rPr>
@@ -17656,7 +17262,7 @@
               <a:buAutoNum type="arabicPeriod"/>
             </a:pPr>
             <a:r>
-              <a:rPr lang="en-IN" b="1" dirty="0" smtClean="0">
+              <a:rPr lang="en-IN" b="1" dirty="0">
                 <a:latin typeface="Times New Roman" panose="02020603050405020304" pitchFamily="18" charset="0"/>
                 <a:cs typeface="Times New Roman" panose="02020603050405020304" pitchFamily="18" charset="0"/>
               </a:rPr>
@@ -17672,7 +17278,7 @@
               <a:buAutoNum type="arabicPeriod"/>
             </a:pPr>
             <a:r>
-              <a:rPr lang="en-IN" b="1" dirty="0" smtClean="0">
+              <a:rPr lang="en-IN" b="1" dirty="0">
                 <a:latin typeface="Times New Roman" panose="02020603050405020304" pitchFamily="18" charset="0"/>
                 <a:cs typeface="Times New Roman" panose="02020603050405020304" pitchFamily="18" charset="0"/>
               </a:rPr>
@@ -17692,14 +17298,7 @@
                 <a:latin typeface="Times New Roman" panose="02020603050405020304" pitchFamily="18" charset="0"/>
                 <a:cs typeface="Times New Roman" panose="02020603050405020304" pitchFamily="18" charset="0"/>
               </a:rPr>
-              <a:t>Distributed and high </a:t>
-            </a:r>
-            <a:r>
-              <a:rPr lang="en-IN" b="1" dirty="0" smtClean="0">
-                <a:latin typeface="Times New Roman" panose="02020603050405020304" pitchFamily="18" charset="0"/>
-                <a:cs typeface="Times New Roman" panose="02020603050405020304" pitchFamily="18" charset="0"/>
-              </a:rPr>
-              <a:t>availability</a:t>
+              <a:t>Distributed and high availability</a:t>
             </a:r>
           </a:p>
           <a:p>
@@ -17711,7 +17310,7 @@
               <a:buAutoNum type="arabicPeriod"/>
             </a:pPr>
             <a:r>
-              <a:rPr lang="en-IN" b="1" dirty="0" smtClean="0">
+              <a:rPr lang="en-IN" b="1" dirty="0">
                 <a:latin typeface="Times New Roman" panose="02020603050405020304" pitchFamily="18" charset="0"/>
                 <a:cs typeface="Times New Roman" panose="02020603050405020304" pitchFamily="18" charset="0"/>
               </a:rPr>
@@ -17750,13 +17349,6 @@
   <p:clrMapOvr>
     <a:masterClrMapping/>
   </p:clrMapOvr>
-  <p:timing>
-    <p:tnLst>
-      <p:par>
-        <p:cTn id="1" dur="indefinite" restart="never" nodeType="tmRoot"/>
-      </p:par>
-    </p:tnLst>
-  </p:timing>
 </p:sld>
 </file>
 
@@ -18021,21 +17613,8 @@
                   <a:schemeClr val="bg1"/>
                 </a:solidFill>
               </a:rPr>
-              <a:t> of </a:t>
-            </a:r>
-            <a:r>
-              <a:rPr lang="en-US" dirty="0" smtClean="0">
-                <a:solidFill>
-                  <a:schemeClr val="bg1"/>
-                </a:solidFill>
-              </a:rPr>
-              <a:t>ISE</a:t>
-            </a:r>
-            <a:endParaRPr lang="en-US" dirty="0">
-              <a:solidFill>
-                <a:schemeClr val="bg1"/>
-              </a:solidFill>
-            </a:endParaRPr>
+              <a:t> of ISE</a:t>
+            </a:r>
           </a:p>
         </p:txBody>
       </p:sp>
@@ -18072,21 +17651,7 @@
                 <a:latin typeface="Times New Roman" panose="02020603050405020304" pitchFamily="18" charset="0"/>
                 <a:cs typeface="Times New Roman" panose="02020603050405020304" pitchFamily="18" charset="0"/>
               </a:rPr>
-              <a:t>When should NoSQL be </a:t>
-            </a:r>
-            <a:r>
-              <a:rPr lang="en-US" sz="3600" b="1" dirty="0" smtClean="0">
-                <a:effectLst>
-                  <a:outerShdw blurRad="38100" dist="38100" dir="2700000" algn="tl">
-                    <a:srgbClr val="000000">
-                      <a:alpha val="43137"/>
-                    </a:srgbClr>
-                  </a:outerShdw>
-                </a:effectLst>
-                <a:latin typeface="Times New Roman" panose="02020603050405020304" pitchFamily="18" charset="0"/>
-                <a:cs typeface="Times New Roman" panose="02020603050405020304" pitchFamily="18" charset="0"/>
-              </a:rPr>
-              <a:t>used</a:t>
+              <a:t>When should NoSQL be used</a:t>
             </a:r>
             <a:endParaRPr lang="en-IN" sz="3600" b="1" dirty="0">
               <a:effectLst>
@@ -18151,19 +17716,21 @@
                 <a:latin typeface="Times New Roman" panose="02020603050405020304" pitchFamily="18" charset="0"/>
                 <a:cs typeface="Times New Roman" panose="02020603050405020304" pitchFamily="18" charset="0"/>
               </a:rPr>
-              <a:t>The relationship between the data you store is not that </a:t>
-            </a:r>
-            <a:r>
-              <a:rPr lang="en-US" dirty="0" smtClean="0">
+              <a:t>The </a:t>
+            </a:r>
+            <a:r>
+              <a:rPr lang="en-US" dirty="0">
+                <a:solidFill>
+                  <a:srgbClr val="FF0000"/>
+                </a:solidFill>
+                <a:highlight>
+                  <a:srgbClr val="FFFF00"/>
+                </a:highlight>
                 <a:latin typeface="Times New Roman" panose="02020603050405020304" pitchFamily="18" charset="0"/>
                 <a:cs typeface="Times New Roman" panose="02020603050405020304" pitchFamily="18" charset="0"/>
               </a:rPr>
-              <a:t>important.</a:t>
-            </a:r>
-            <a:endParaRPr lang="en-US" dirty="0">
-              <a:latin typeface="Times New Roman" panose="02020603050405020304" pitchFamily="18" charset="0"/>
-              <a:cs typeface="Times New Roman" panose="02020603050405020304" pitchFamily="18" charset="0"/>
-            </a:endParaRPr>
+              <a:t>relationship between the data you store is not that important.</a:t>
+            </a:r>
           </a:p>
           <a:p>
             <a:pPr marL="342900" indent="-342900" algn="just">
@@ -18194,19 +17761,8 @@
                 <a:latin typeface="Times New Roman" panose="02020603050405020304" pitchFamily="18" charset="0"/>
                 <a:cs typeface="Times New Roman" panose="02020603050405020304" pitchFamily="18" charset="0"/>
               </a:rPr>
-              <a:t>Support of Constraints and Joins is not required at the database </a:t>
-            </a:r>
-            <a:r>
-              <a:rPr lang="en-US" dirty="0" smtClean="0">
-                <a:latin typeface="Times New Roman" panose="02020603050405020304" pitchFamily="18" charset="0"/>
-                <a:cs typeface="Times New Roman" panose="02020603050405020304" pitchFamily="18" charset="0"/>
-              </a:rPr>
-              <a:t>level.</a:t>
-            </a:r>
-            <a:endParaRPr lang="en-US" dirty="0">
-              <a:latin typeface="Times New Roman" panose="02020603050405020304" pitchFamily="18" charset="0"/>
-              <a:cs typeface="Times New Roman" panose="02020603050405020304" pitchFamily="18" charset="0"/>
-            </a:endParaRPr>
+              <a:t>Support of Constraints and Joins is not required at the database level.</a:t>
+            </a:r>
           </a:p>
           <a:p>
             <a:pPr marL="342900" indent="-342900" algn="just">
@@ -18221,9 +17777,28 @@
                 <a:latin typeface="Times New Roman" panose="02020603050405020304" pitchFamily="18" charset="0"/>
                 <a:cs typeface="Times New Roman" panose="02020603050405020304" pitchFamily="18" charset="0"/>
               </a:rPr>
-              <a:t>The data is growing continuously and you need to scale the database regularly to handle the data.</a:t>
+              <a:t>The </a:t>
+            </a:r>
+            <a:r>
+              <a:rPr lang="en-US" dirty="0">
+                <a:solidFill>
+                  <a:srgbClr val="FF0000"/>
+                </a:solidFill>
+                <a:highlight>
+                  <a:srgbClr val="FFFF00"/>
+                </a:highlight>
+                <a:latin typeface="Times New Roman" panose="02020603050405020304" pitchFamily="18" charset="0"/>
+                <a:cs typeface="Times New Roman" panose="02020603050405020304" pitchFamily="18" charset="0"/>
+              </a:rPr>
+              <a:t>data is growing continuously and you need to scale the database regularly to handle the data.</a:t>
             </a:r>
             <a:endParaRPr lang="en-IN" dirty="0">
+              <a:solidFill>
+                <a:srgbClr val="FF0000"/>
+              </a:solidFill>
+              <a:highlight>
+                <a:srgbClr val="FFFF00"/>
+              </a:highlight>
               <a:latin typeface="Times New Roman" panose="02020603050405020304" pitchFamily="18" charset="0"/>
               <a:cs typeface="Times New Roman" panose="02020603050405020304" pitchFamily="18" charset="0"/>
             </a:endParaRPr>
@@ -18240,13 +17815,6 @@
   <p:clrMapOvr>
     <a:masterClrMapping/>
   </p:clrMapOvr>
-  <p:timing>
-    <p:tnLst>
-      <p:par>
-        <p:cTn id="1" dur="indefinite" restart="never" nodeType="tmRoot"/>
-      </p:par>
-    </p:tnLst>
-  </p:timing>
 </p:sld>
 </file>
 
